--- a/Testning.pptx
+++ b/Testning.pptx
@@ -4,6 +4,9 @@
   <p:sldMasterIdLst>
     <p:sldMasterId id="2147483648" r:id="rId1"/>
   </p:sldMasterIdLst>
+  <p:notesMasterIdLst>
+    <p:notesMasterId r:id="rId13"/>
+  </p:notesMasterIdLst>
   <p:sldIdLst>
     <p:sldId id="256" r:id="rId2"/>
     <p:sldId id="258" r:id="rId3"/>
@@ -11,6 +14,11 @@
     <p:sldId id="260" r:id="rId5"/>
     <p:sldId id="257" r:id="rId6"/>
     <p:sldId id="261" r:id="rId7"/>
+    <p:sldId id="262" r:id="rId8"/>
+    <p:sldId id="264" r:id="rId9"/>
+    <p:sldId id="263" r:id="rId10"/>
+    <p:sldId id="265" r:id="rId11"/>
+    <p:sldId id="266" r:id="rId12"/>
   </p:sldIdLst>
   <p:sldSz cx="12192000" cy="6858000"/>
   <p:notesSz cx="6858000" cy="9144000"/>
@@ -177,6 +185,642 @@
 </pc:chgInfo>
 </file>
 
+<file path=ppt/notesMasters/notesMaster1.xml><?xml version="1.0" encoding="utf-8"?>
+<p:notesMaster xmlns:a="http://schemas.openxmlformats.org/drawingml/2006/main" xmlns:r="http://schemas.openxmlformats.org/officeDocument/2006/relationships" xmlns:p="http://schemas.openxmlformats.org/presentationml/2006/main">
+  <p:cSld>
+    <p:bg>
+      <p:bgRef idx="1001">
+        <a:schemeClr val="bg1"/>
+      </p:bgRef>
+    </p:bg>
+    <p:spTree>
+      <p:nvGrpSpPr>
+        <p:cNvPr id="1" name=""/>
+        <p:cNvGrpSpPr/>
+        <p:nvPr/>
+      </p:nvGrpSpPr>
+      <p:grpSpPr>
+        <a:xfrm>
+          <a:off x="0" y="0"/>
+          <a:ext cx="0" cy="0"/>
+          <a:chOff x="0" y="0"/>
+          <a:chExt cx="0" cy="0"/>
+        </a:xfrm>
+      </p:grpSpPr>
+      <p:sp>
+        <p:nvSpPr>
+          <p:cNvPr id="2" name="Header Placeholder 1"/>
+          <p:cNvSpPr>
+            <a:spLocks noGrp="1"/>
+          </p:cNvSpPr>
+          <p:nvPr>
+            <p:ph type="hdr" sz="quarter"/>
+          </p:nvPr>
+        </p:nvSpPr>
+        <p:spPr>
+          <a:xfrm>
+            <a:off x="0" y="0"/>
+            <a:ext cx="2971800" cy="458788"/>
+          </a:xfrm>
+          <a:prstGeom prst="rect">
+            <a:avLst/>
+          </a:prstGeom>
+        </p:spPr>
+        <p:txBody>
+          <a:bodyPr vert="horz" lIns="91440" tIns="45720" rIns="91440" bIns="45720" rtlCol="0"/>
+          <a:lstStyle>
+            <a:lvl1pPr algn="l">
+              <a:defRPr sz="1200"/>
+            </a:lvl1pPr>
+          </a:lstStyle>
+          <a:p>
+            <a:endParaRPr lang="LID4096"/>
+          </a:p>
+        </p:txBody>
+      </p:sp>
+      <p:sp>
+        <p:nvSpPr>
+          <p:cNvPr id="3" name="Date Placeholder 2"/>
+          <p:cNvSpPr>
+            <a:spLocks noGrp="1"/>
+          </p:cNvSpPr>
+          <p:nvPr>
+            <p:ph type="dt" idx="1"/>
+          </p:nvPr>
+        </p:nvSpPr>
+        <p:spPr>
+          <a:xfrm>
+            <a:off x="3884613" y="0"/>
+            <a:ext cx="2971800" cy="458788"/>
+          </a:xfrm>
+          <a:prstGeom prst="rect">
+            <a:avLst/>
+          </a:prstGeom>
+        </p:spPr>
+        <p:txBody>
+          <a:bodyPr vert="horz" lIns="91440" tIns="45720" rIns="91440" bIns="45720" rtlCol="0"/>
+          <a:lstStyle>
+            <a:lvl1pPr algn="r">
+              <a:defRPr sz="1200"/>
+            </a:lvl1pPr>
+          </a:lstStyle>
+          <a:p>
+            <a:fld id="{6BE34729-23AB-42B6-951A-ED6AC9984438}" type="datetimeFigureOut">
+              <a:rPr lang="LID4096" smtClean="0"/>
+              <a:t>04/09/2025</a:t>
+            </a:fld>
+            <a:endParaRPr lang="LID4096"/>
+          </a:p>
+        </p:txBody>
+      </p:sp>
+      <p:sp>
+        <p:nvSpPr>
+          <p:cNvPr id="4" name="Slide Image Placeholder 3"/>
+          <p:cNvSpPr>
+            <a:spLocks noGrp="1" noRot="1" noChangeAspect="1"/>
+          </p:cNvSpPr>
+          <p:nvPr>
+            <p:ph type="sldImg" idx="2"/>
+          </p:nvPr>
+        </p:nvSpPr>
+        <p:spPr>
+          <a:xfrm>
+            <a:off x="685800" y="1143000"/>
+            <a:ext cx="5486400" cy="3086100"/>
+          </a:xfrm>
+          <a:prstGeom prst="rect">
+            <a:avLst/>
+          </a:prstGeom>
+          <a:noFill/>
+          <a:ln w="12700">
+            <a:solidFill>
+              <a:prstClr val="black"/>
+            </a:solidFill>
+          </a:ln>
+        </p:spPr>
+        <p:txBody>
+          <a:bodyPr vert="horz" lIns="91440" tIns="45720" rIns="91440" bIns="45720" rtlCol="0" anchor="ctr"/>
+          <a:lstStyle/>
+          <a:p>
+            <a:endParaRPr lang="LID4096"/>
+          </a:p>
+        </p:txBody>
+      </p:sp>
+      <p:sp>
+        <p:nvSpPr>
+          <p:cNvPr id="5" name="Notes Placeholder 4"/>
+          <p:cNvSpPr>
+            <a:spLocks noGrp="1"/>
+          </p:cNvSpPr>
+          <p:nvPr>
+            <p:ph type="body" sz="quarter" idx="3"/>
+          </p:nvPr>
+        </p:nvSpPr>
+        <p:spPr>
+          <a:xfrm>
+            <a:off x="685800" y="4400550"/>
+            <a:ext cx="5486400" cy="3600450"/>
+          </a:xfrm>
+          <a:prstGeom prst="rect">
+            <a:avLst/>
+          </a:prstGeom>
+        </p:spPr>
+        <p:txBody>
+          <a:bodyPr vert="horz" lIns="91440" tIns="45720" rIns="91440" bIns="45720" rtlCol="0"/>
+          <a:lstStyle/>
+          <a:p>
+            <a:pPr lvl="0"/>
+            <a:r>
+              <a:rPr lang="en-US"/>
+              <a:t>Click to edit Master text styles</a:t>
+            </a:r>
+          </a:p>
+          <a:p>
+            <a:pPr lvl="1"/>
+            <a:r>
+              <a:rPr lang="en-US"/>
+              <a:t>Second level</a:t>
+            </a:r>
+          </a:p>
+          <a:p>
+            <a:pPr lvl="2"/>
+            <a:r>
+              <a:rPr lang="en-US"/>
+              <a:t>Third level</a:t>
+            </a:r>
+          </a:p>
+          <a:p>
+            <a:pPr lvl="3"/>
+            <a:r>
+              <a:rPr lang="en-US"/>
+              <a:t>Fourth level</a:t>
+            </a:r>
+          </a:p>
+          <a:p>
+            <a:pPr lvl="4"/>
+            <a:r>
+              <a:rPr lang="en-US"/>
+              <a:t>Fifth level</a:t>
+            </a:r>
+            <a:endParaRPr lang="LID4096"/>
+          </a:p>
+        </p:txBody>
+      </p:sp>
+      <p:sp>
+        <p:nvSpPr>
+          <p:cNvPr id="6" name="Footer Placeholder 5"/>
+          <p:cNvSpPr>
+            <a:spLocks noGrp="1"/>
+          </p:cNvSpPr>
+          <p:nvPr>
+            <p:ph type="ftr" sz="quarter" idx="4"/>
+          </p:nvPr>
+        </p:nvSpPr>
+        <p:spPr>
+          <a:xfrm>
+            <a:off x="0" y="8685213"/>
+            <a:ext cx="2971800" cy="458787"/>
+          </a:xfrm>
+          <a:prstGeom prst="rect">
+            <a:avLst/>
+          </a:prstGeom>
+        </p:spPr>
+        <p:txBody>
+          <a:bodyPr vert="horz" lIns="91440" tIns="45720" rIns="91440" bIns="45720" rtlCol="0" anchor="b"/>
+          <a:lstStyle>
+            <a:lvl1pPr algn="l">
+              <a:defRPr sz="1200"/>
+            </a:lvl1pPr>
+          </a:lstStyle>
+          <a:p>
+            <a:endParaRPr lang="LID4096"/>
+          </a:p>
+        </p:txBody>
+      </p:sp>
+      <p:sp>
+        <p:nvSpPr>
+          <p:cNvPr id="7" name="Slide Number Placeholder 6"/>
+          <p:cNvSpPr>
+            <a:spLocks noGrp="1"/>
+          </p:cNvSpPr>
+          <p:nvPr>
+            <p:ph type="sldNum" sz="quarter" idx="5"/>
+          </p:nvPr>
+        </p:nvSpPr>
+        <p:spPr>
+          <a:xfrm>
+            <a:off x="3884613" y="8685213"/>
+            <a:ext cx="2971800" cy="458787"/>
+          </a:xfrm>
+          <a:prstGeom prst="rect">
+            <a:avLst/>
+          </a:prstGeom>
+        </p:spPr>
+        <p:txBody>
+          <a:bodyPr vert="horz" lIns="91440" tIns="45720" rIns="91440" bIns="45720" rtlCol="0" anchor="b"/>
+          <a:lstStyle>
+            <a:lvl1pPr algn="r">
+              <a:defRPr sz="1200"/>
+            </a:lvl1pPr>
+          </a:lstStyle>
+          <a:p>
+            <a:fld id="{99C79E7B-F53A-41AF-A46B-11FA12D0B24A}" type="slidenum">
+              <a:rPr lang="LID4096" smtClean="0"/>
+              <a:t>‹#›</a:t>
+            </a:fld>
+            <a:endParaRPr lang="LID4096"/>
+          </a:p>
+        </p:txBody>
+      </p:sp>
+    </p:spTree>
+    <p:extLst>
+      <p:ext uri="{BB962C8B-B14F-4D97-AF65-F5344CB8AC3E}">
+        <p14:creationId xmlns:p14="http://schemas.microsoft.com/office/powerpoint/2010/main" val="1020224245"/>
+      </p:ext>
+    </p:extLst>
+  </p:cSld>
+  <p:clrMap bg1="lt1" tx1="dk1" bg2="lt2" tx2="dk2" accent1="accent1" accent2="accent2" accent3="accent3" accent4="accent4" accent5="accent5" accent6="accent6" hlink="hlink" folHlink="folHlink"/>
+  <p:notesStyle>
+    <a:lvl1pPr marL="0" algn="l" defTabSz="914400" rtl="0" eaLnBrk="1" latinLnBrk="0" hangingPunct="1">
+      <a:defRPr sz="1200" kern="1200">
+        <a:solidFill>
+          <a:schemeClr val="tx1"/>
+        </a:solidFill>
+        <a:latin typeface="+mn-lt"/>
+        <a:ea typeface="+mn-ea"/>
+        <a:cs typeface="+mn-cs"/>
+      </a:defRPr>
+    </a:lvl1pPr>
+    <a:lvl2pPr marL="457200" algn="l" defTabSz="914400" rtl="0" eaLnBrk="1" latinLnBrk="0" hangingPunct="1">
+      <a:defRPr sz="1200" kern="1200">
+        <a:solidFill>
+          <a:schemeClr val="tx1"/>
+        </a:solidFill>
+        <a:latin typeface="+mn-lt"/>
+        <a:ea typeface="+mn-ea"/>
+        <a:cs typeface="+mn-cs"/>
+      </a:defRPr>
+    </a:lvl2pPr>
+    <a:lvl3pPr marL="914400" algn="l" defTabSz="914400" rtl="0" eaLnBrk="1" latinLnBrk="0" hangingPunct="1">
+      <a:defRPr sz="1200" kern="1200">
+        <a:solidFill>
+          <a:schemeClr val="tx1"/>
+        </a:solidFill>
+        <a:latin typeface="+mn-lt"/>
+        <a:ea typeface="+mn-ea"/>
+        <a:cs typeface="+mn-cs"/>
+      </a:defRPr>
+    </a:lvl3pPr>
+    <a:lvl4pPr marL="1371600" algn="l" defTabSz="914400" rtl="0" eaLnBrk="1" latinLnBrk="0" hangingPunct="1">
+      <a:defRPr sz="1200" kern="1200">
+        <a:solidFill>
+          <a:schemeClr val="tx1"/>
+        </a:solidFill>
+        <a:latin typeface="+mn-lt"/>
+        <a:ea typeface="+mn-ea"/>
+        <a:cs typeface="+mn-cs"/>
+      </a:defRPr>
+    </a:lvl4pPr>
+    <a:lvl5pPr marL="1828800" algn="l" defTabSz="914400" rtl="0" eaLnBrk="1" latinLnBrk="0" hangingPunct="1">
+      <a:defRPr sz="1200" kern="1200">
+        <a:solidFill>
+          <a:schemeClr val="tx1"/>
+        </a:solidFill>
+        <a:latin typeface="+mn-lt"/>
+        <a:ea typeface="+mn-ea"/>
+        <a:cs typeface="+mn-cs"/>
+      </a:defRPr>
+    </a:lvl5pPr>
+    <a:lvl6pPr marL="2286000" algn="l" defTabSz="914400" rtl="0" eaLnBrk="1" latinLnBrk="0" hangingPunct="1">
+      <a:defRPr sz="1200" kern="1200">
+        <a:solidFill>
+          <a:schemeClr val="tx1"/>
+        </a:solidFill>
+        <a:latin typeface="+mn-lt"/>
+        <a:ea typeface="+mn-ea"/>
+        <a:cs typeface="+mn-cs"/>
+      </a:defRPr>
+    </a:lvl6pPr>
+    <a:lvl7pPr marL="2743200" algn="l" defTabSz="914400" rtl="0" eaLnBrk="1" latinLnBrk="0" hangingPunct="1">
+      <a:defRPr sz="1200" kern="1200">
+        <a:solidFill>
+          <a:schemeClr val="tx1"/>
+        </a:solidFill>
+        <a:latin typeface="+mn-lt"/>
+        <a:ea typeface="+mn-ea"/>
+        <a:cs typeface="+mn-cs"/>
+      </a:defRPr>
+    </a:lvl7pPr>
+    <a:lvl8pPr marL="3200400" algn="l" defTabSz="914400" rtl="0" eaLnBrk="1" latinLnBrk="0" hangingPunct="1">
+      <a:defRPr sz="1200" kern="1200">
+        <a:solidFill>
+          <a:schemeClr val="tx1"/>
+        </a:solidFill>
+        <a:latin typeface="+mn-lt"/>
+        <a:ea typeface="+mn-ea"/>
+        <a:cs typeface="+mn-cs"/>
+      </a:defRPr>
+    </a:lvl8pPr>
+    <a:lvl9pPr marL="3657600" algn="l" defTabSz="914400" rtl="0" eaLnBrk="1" latinLnBrk="0" hangingPunct="1">
+      <a:defRPr sz="1200" kern="1200">
+        <a:solidFill>
+          <a:schemeClr val="tx1"/>
+        </a:solidFill>
+        <a:latin typeface="+mn-lt"/>
+        <a:ea typeface="+mn-ea"/>
+        <a:cs typeface="+mn-cs"/>
+      </a:defRPr>
+    </a:lvl9pPr>
+  </p:notesStyle>
+</p:notesMaster>
+</file>
+
+<file path=ppt/notesSlides/notesSlide1.xml><?xml version="1.0" encoding="utf-8"?>
+<p:notes xmlns:a="http://schemas.openxmlformats.org/drawingml/2006/main" xmlns:r="http://schemas.openxmlformats.org/officeDocument/2006/relationships" xmlns:p="http://schemas.openxmlformats.org/presentationml/2006/main">
+  <p:cSld>
+    <p:spTree>
+      <p:nvGrpSpPr>
+        <p:cNvPr id="1" name=""/>
+        <p:cNvGrpSpPr/>
+        <p:nvPr/>
+      </p:nvGrpSpPr>
+      <p:grpSpPr>
+        <a:xfrm>
+          <a:off x="0" y="0"/>
+          <a:ext cx="0" cy="0"/>
+          <a:chOff x="0" y="0"/>
+          <a:chExt cx="0" cy="0"/>
+        </a:xfrm>
+      </p:grpSpPr>
+      <p:sp>
+        <p:nvSpPr>
+          <p:cNvPr id="2" name="Slide Image Placeholder 1"/>
+          <p:cNvSpPr>
+            <a:spLocks noGrp="1" noRot="1" noChangeAspect="1"/>
+          </p:cNvSpPr>
+          <p:nvPr>
+            <p:ph type="sldImg"/>
+          </p:nvPr>
+        </p:nvSpPr>
+        <p:spPr/>
+      </p:sp>
+      <p:sp>
+        <p:nvSpPr>
+          <p:cNvPr id="3" name="Notes Placeholder 2"/>
+          <p:cNvSpPr>
+            <a:spLocks noGrp="1"/>
+          </p:cNvSpPr>
+          <p:nvPr>
+            <p:ph type="body" idx="1"/>
+          </p:nvPr>
+        </p:nvSpPr>
+        <p:spPr/>
+        <p:txBody>
+          <a:bodyPr/>
+          <a:lstStyle/>
+          <a:p>
+            <a:r>
+              <a:rPr lang="sv-SE" dirty="0"/>
+              <a:t>Röd grön </a:t>
+            </a:r>
+            <a:r>
+              <a:rPr lang="sv-SE" dirty="0" err="1"/>
+              <a:t>refatkorera</a:t>
+            </a:r>
+            <a:r>
+              <a:rPr lang="sv-SE" dirty="0"/>
+              <a:t> -&gt; Har man </a:t>
+            </a:r>
+            <a:r>
+              <a:rPr lang="sv-SE" dirty="0" err="1"/>
+              <a:t>refaktorerat</a:t>
+            </a:r>
+            <a:r>
+              <a:rPr lang="sv-SE" dirty="0"/>
+              <a:t> både kod och tester?</a:t>
+            </a:r>
+            <a:endParaRPr lang="LID4096" dirty="0"/>
+          </a:p>
+        </p:txBody>
+      </p:sp>
+      <p:sp>
+        <p:nvSpPr>
+          <p:cNvPr id="4" name="Slide Number Placeholder 3"/>
+          <p:cNvSpPr>
+            <a:spLocks noGrp="1"/>
+          </p:cNvSpPr>
+          <p:nvPr>
+            <p:ph type="sldNum" sz="quarter" idx="5"/>
+          </p:nvPr>
+        </p:nvSpPr>
+        <p:spPr/>
+        <p:txBody>
+          <a:bodyPr/>
+          <a:lstStyle/>
+          <a:p>
+            <a:fld id="{99C79E7B-F53A-41AF-A46B-11FA12D0B24A}" type="slidenum">
+              <a:rPr lang="LID4096" smtClean="0"/>
+              <a:t>7</a:t>
+            </a:fld>
+            <a:endParaRPr lang="LID4096"/>
+          </a:p>
+        </p:txBody>
+      </p:sp>
+    </p:spTree>
+    <p:extLst>
+      <p:ext uri="{BB962C8B-B14F-4D97-AF65-F5344CB8AC3E}">
+        <p14:creationId xmlns:p14="http://schemas.microsoft.com/office/powerpoint/2010/main" val="2672777197"/>
+      </p:ext>
+    </p:extLst>
+  </p:cSld>
+  <p:clrMapOvr>
+    <a:masterClrMapping/>
+  </p:clrMapOvr>
+</p:notes>
+</file>
+
+<file path=ppt/notesSlides/notesSlide2.xml><?xml version="1.0" encoding="utf-8"?>
+<p:notes xmlns:a="http://schemas.openxmlformats.org/drawingml/2006/main" xmlns:r="http://schemas.openxmlformats.org/officeDocument/2006/relationships" xmlns:p="http://schemas.openxmlformats.org/presentationml/2006/main">
+  <p:cSld>
+    <p:spTree>
+      <p:nvGrpSpPr>
+        <p:cNvPr id="1" name=""/>
+        <p:cNvGrpSpPr/>
+        <p:nvPr/>
+      </p:nvGrpSpPr>
+      <p:grpSpPr>
+        <a:xfrm>
+          <a:off x="0" y="0"/>
+          <a:ext cx="0" cy="0"/>
+          <a:chOff x="0" y="0"/>
+          <a:chExt cx="0" cy="0"/>
+        </a:xfrm>
+      </p:grpSpPr>
+      <p:sp>
+        <p:nvSpPr>
+          <p:cNvPr id="2" name="Slide Image Placeholder 1"/>
+          <p:cNvSpPr>
+            <a:spLocks noGrp="1" noRot="1" noChangeAspect="1"/>
+          </p:cNvSpPr>
+          <p:nvPr>
+            <p:ph type="sldImg"/>
+          </p:nvPr>
+        </p:nvSpPr>
+        <p:spPr/>
+      </p:sp>
+      <p:sp>
+        <p:nvSpPr>
+          <p:cNvPr id="3" name="Notes Placeholder 2"/>
+          <p:cNvSpPr>
+            <a:spLocks noGrp="1"/>
+          </p:cNvSpPr>
+          <p:nvPr>
+            <p:ph type="body" idx="1"/>
+          </p:nvPr>
+        </p:nvSpPr>
+        <p:spPr/>
+        <p:txBody>
+          <a:bodyPr/>
+          <a:lstStyle/>
+          <a:p>
+            <a:r>
+              <a:rPr lang="sv-SE" dirty="0"/>
+              <a:t>Ska vara små och lätta att läsa</a:t>
+            </a:r>
+          </a:p>
+          <a:p>
+            <a:pPr lvl="1"/>
+            <a:r>
+              <a:rPr lang="sv-SE" dirty="0"/>
+              <a:t>Skvallrar om designproblem. 5-10 rader max?</a:t>
+            </a:r>
+          </a:p>
+          <a:p>
+            <a:r>
+              <a:rPr lang="sv-SE" dirty="0"/>
+              <a:t>Ska vara extremt snabba</a:t>
+            </a:r>
+          </a:p>
+          <a:p>
+            <a:pPr lvl="1"/>
+            <a:r>
+              <a:rPr lang="sv-SE" dirty="0"/>
+              <a:t>Tusentals tester ska kunna köras på några hundratals millisekundrar. Gärna i en </a:t>
+            </a:r>
+            <a:r>
+              <a:rPr lang="sv-SE" dirty="0" err="1"/>
+              <a:t>continious</a:t>
+            </a:r>
+            <a:r>
+              <a:rPr lang="sv-SE" dirty="0"/>
+              <a:t> </a:t>
+            </a:r>
+            <a:r>
+              <a:rPr lang="sv-SE" dirty="0" err="1"/>
+              <a:t>runner</a:t>
+            </a:r>
+            <a:r>
+              <a:rPr lang="sv-SE" dirty="0"/>
+              <a:t> med </a:t>
+            </a:r>
+            <a:r>
+              <a:rPr lang="sv-SE" dirty="0" err="1"/>
+              <a:t>code</a:t>
+            </a:r>
+            <a:r>
+              <a:rPr lang="sv-SE" dirty="0"/>
+              <a:t> </a:t>
+            </a:r>
+            <a:r>
+              <a:rPr lang="sv-SE" dirty="0" err="1"/>
+              <a:t>coverage</a:t>
+            </a:r>
+            <a:r>
+              <a:rPr lang="sv-SE" dirty="0"/>
+              <a:t>!</a:t>
+            </a:r>
+          </a:p>
+          <a:p>
+            <a:r>
+              <a:rPr lang="sv-SE" dirty="0"/>
+              <a:t>Ska köras kontinuerligt</a:t>
+            </a:r>
+          </a:p>
+          <a:p>
+            <a:pPr lvl="1"/>
+            <a:r>
+              <a:rPr lang="sv-SE" dirty="0"/>
+              <a:t>Speciellt i modulen man håller på ändrar kod </a:t>
+            </a:r>
+          </a:p>
+          <a:p>
+            <a:pPr marL="0" marR="0" lvl="0" indent="0" algn="l" defTabSz="914400" rtl="0" eaLnBrk="1" fontAlgn="auto" latinLnBrk="0" hangingPunct="1">
+              <a:lnSpc>
+                <a:spcPct val="100000"/>
+              </a:lnSpc>
+              <a:spcBef>
+                <a:spcPts val="0"/>
+              </a:spcBef>
+              <a:spcAft>
+                <a:spcPts val="0"/>
+              </a:spcAft>
+              <a:buClrTx/>
+              <a:buSzTx/>
+              <a:buFontTx/>
+              <a:buNone/>
+              <a:tabLst/>
+              <a:defRPr/>
+            </a:pPr>
+            <a:r>
+              <a:rPr lang="sv-SE" dirty="0"/>
+              <a:t>Istället för debugger</a:t>
+            </a:r>
+          </a:p>
+          <a:p>
+            <a:r>
+              <a:rPr lang="sv-SE" dirty="0"/>
+              <a:t>            Skriv ett test istället för den modul du vill köra -&gt; Slippa starta debugger och köra allt hela vägen. Kontroll på in-parametrar och möjlighet att sätta upp världen runtomkring som du vill ha det</a:t>
+            </a:r>
+            <a:endParaRPr lang="LID4096" dirty="0"/>
+          </a:p>
+        </p:txBody>
+      </p:sp>
+      <p:sp>
+        <p:nvSpPr>
+          <p:cNvPr id="4" name="Slide Number Placeholder 3"/>
+          <p:cNvSpPr>
+            <a:spLocks noGrp="1"/>
+          </p:cNvSpPr>
+          <p:nvPr>
+            <p:ph type="sldNum" sz="quarter" idx="5"/>
+          </p:nvPr>
+        </p:nvSpPr>
+        <p:spPr/>
+        <p:txBody>
+          <a:bodyPr/>
+          <a:lstStyle/>
+          <a:p>
+            <a:fld id="{99C79E7B-F53A-41AF-A46B-11FA12D0B24A}" type="slidenum">
+              <a:rPr lang="LID4096" smtClean="0"/>
+              <a:t>9</a:t>
+            </a:fld>
+            <a:endParaRPr lang="LID4096"/>
+          </a:p>
+        </p:txBody>
+      </p:sp>
+    </p:spTree>
+    <p:extLst>
+      <p:ext uri="{BB962C8B-B14F-4D97-AF65-F5344CB8AC3E}">
+        <p14:creationId xmlns:p14="http://schemas.microsoft.com/office/powerpoint/2010/main" val="3124532585"/>
+      </p:ext>
+    </p:extLst>
+  </p:cSld>
+  <p:clrMapOvr>
+    <a:masterClrMapping/>
+  </p:clrMapOvr>
+</p:notes>
+</file>
+
 <file path=ppt/slideLayouts/slideLayout1.xml><?xml version="1.0" encoding="utf-8"?>
 <p:sldLayout xmlns:a="http://schemas.openxmlformats.org/drawingml/2006/main" xmlns:r="http://schemas.openxmlformats.org/officeDocument/2006/relationships" xmlns:p="http://schemas.openxmlformats.org/presentationml/2006/main" type="title" preserve="1">
   <p:cSld name="Title Slide">
@@ -326,7 +970,7 @@
           <a:p>
             <a:fld id="{C7EC4A69-D216-4026-9079-AB423CFC6B61}" type="datetimeFigureOut">
               <a:rPr lang="LID4096" smtClean="0"/>
-              <a:t>04/03/2025</a:t>
+              <a:t>04/09/2025</a:t>
             </a:fld>
             <a:endParaRPr lang="LID4096"/>
           </a:p>
@@ -526,7 +1170,7 @@
           <a:p>
             <a:fld id="{C7EC4A69-D216-4026-9079-AB423CFC6B61}" type="datetimeFigureOut">
               <a:rPr lang="LID4096" smtClean="0"/>
-              <a:t>04/03/2025</a:t>
+              <a:t>04/09/2025</a:t>
             </a:fld>
             <a:endParaRPr lang="LID4096"/>
           </a:p>
@@ -736,7 +1380,7 @@
           <a:p>
             <a:fld id="{C7EC4A69-D216-4026-9079-AB423CFC6B61}" type="datetimeFigureOut">
               <a:rPr lang="LID4096" smtClean="0"/>
-              <a:t>04/03/2025</a:t>
+              <a:t>04/09/2025</a:t>
             </a:fld>
             <a:endParaRPr lang="LID4096"/>
           </a:p>
@@ -936,7 +1580,7 @@
           <a:p>
             <a:fld id="{C7EC4A69-D216-4026-9079-AB423CFC6B61}" type="datetimeFigureOut">
               <a:rPr lang="LID4096" smtClean="0"/>
-              <a:t>04/03/2025</a:t>
+              <a:t>04/09/2025</a:t>
             </a:fld>
             <a:endParaRPr lang="LID4096"/>
           </a:p>
@@ -1212,7 +1856,7 @@
           <a:p>
             <a:fld id="{C7EC4A69-D216-4026-9079-AB423CFC6B61}" type="datetimeFigureOut">
               <a:rPr lang="LID4096" smtClean="0"/>
-              <a:t>04/03/2025</a:t>
+              <a:t>04/09/2025</a:t>
             </a:fld>
             <a:endParaRPr lang="LID4096"/>
           </a:p>
@@ -1480,7 +2124,7 @@
           <a:p>
             <a:fld id="{C7EC4A69-D216-4026-9079-AB423CFC6B61}" type="datetimeFigureOut">
               <a:rPr lang="LID4096" smtClean="0"/>
-              <a:t>04/03/2025</a:t>
+              <a:t>04/09/2025</a:t>
             </a:fld>
             <a:endParaRPr lang="LID4096"/>
           </a:p>
@@ -1895,7 +2539,7 @@
           <a:p>
             <a:fld id="{C7EC4A69-D216-4026-9079-AB423CFC6B61}" type="datetimeFigureOut">
               <a:rPr lang="LID4096" smtClean="0"/>
-              <a:t>04/03/2025</a:t>
+              <a:t>04/09/2025</a:t>
             </a:fld>
             <a:endParaRPr lang="LID4096"/>
           </a:p>
@@ -2037,7 +2681,7 @@
           <a:p>
             <a:fld id="{C7EC4A69-D216-4026-9079-AB423CFC6B61}" type="datetimeFigureOut">
               <a:rPr lang="LID4096" smtClean="0"/>
-              <a:t>04/03/2025</a:t>
+              <a:t>04/09/2025</a:t>
             </a:fld>
             <a:endParaRPr lang="LID4096"/>
           </a:p>
@@ -2150,7 +2794,7 @@
           <a:p>
             <a:fld id="{C7EC4A69-D216-4026-9079-AB423CFC6B61}" type="datetimeFigureOut">
               <a:rPr lang="LID4096" smtClean="0"/>
-              <a:t>04/03/2025</a:t>
+              <a:t>04/09/2025</a:t>
             </a:fld>
             <a:endParaRPr lang="LID4096"/>
           </a:p>
@@ -2463,7 +3107,7 @@
           <a:p>
             <a:fld id="{C7EC4A69-D216-4026-9079-AB423CFC6B61}" type="datetimeFigureOut">
               <a:rPr lang="LID4096" smtClean="0"/>
-              <a:t>04/03/2025</a:t>
+              <a:t>04/09/2025</a:t>
             </a:fld>
             <a:endParaRPr lang="LID4096"/>
           </a:p>
@@ -2752,7 +3396,7 @@
           <a:p>
             <a:fld id="{C7EC4A69-D216-4026-9079-AB423CFC6B61}" type="datetimeFigureOut">
               <a:rPr lang="LID4096" smtClean="0"/>
-              <a:t>04/03/2025</a:t>
+              <a:t>04/09/2025</a:t>
             </a:fld>
             <a:endParaRPr lang="LID4096"/>
           </a:p>
@@ -2995,7 +3639,7 @@
           <a:p>
             <a:fld id="{C7EC4A69-D216-4026-9079-AB423CFC6B61}" type="datetimeFigureOut">
               <a:rPr lang="LID4096" smtClean="0"/>
-              <a:t>04/03/2025</a:t>
+              <a:t>04/09/2025</a:t>
             </a:fld>
             <a:endParaRPr lang="LID4096"/>
           </a:p>
@@ -3479,6 +4123,318 @@
 </p:sld>
 </file>
 
+<file path=ppt/slides/slide10.xml><?xml version="1.0" encoding="utf-8"?>
+<p:sld xmlns:a="http://schemas.openxmlformats.org/drawingml/2006/main" xmlns:r="http://schemas.openxmlformats.org/officeDocument/2006/relationships" xmlns:p="http://schemas.openxmlformats.org/presentationml/2006/main">
+  <p:cSld>
+    <p:spTree>
+      <p:nvGrpSpPr>
+        <p:cNvPr id="1" name=""/>
+        <p:cNvGrpSpPr/>
+        <p:nvPr/>
+      </p:nvGrpSpPr>
+      <p:grpSpPr>
+        <a:xfrm>
+          <a:off x="0" y="0"/>
+          <a:ext cx="0" cy="0"/>
+          <a:chOff x="0" y="0"/>
+          <a:chExt cx="0" cy="0"/>
+        </a:xfrm>
+      </p:grpSpPr>
+      <p:sp>
+        <p:nvSpPr>
+          <p:cNvPr id="2" name="Title 1">
+            <a:extLst>
+              <a:ext uri="{FF2B5EF4-FFF2-40B4-BE49-F238E27FC236}">
+                <a16:creationId xmlns:a16="http://schemas.microsoft.com/office/drawing/2014/main" id="{9E850022-C46E-C29F-39DA-8CC1EB55E07C}"/>
+              </a:ext>
+            </a:extLst>
+          </p:cNvPr>
+          <p:cNvSpPr>
+            <a:spLocks noGrp="1"/>
+          </p:cNvSpPr>
+          <p:nvPr>
+            <p:ph type="title"/>
+          </p:nvPr>
+        </p:nvSpPr>
+        <p:spPr/>
+        <p:txBody>
+          <a:bodyPr/>
+          <a:lstStyle/>
+          <a:p>
+            <a:r>
+              <a:rPr lang="sv-SE" dirty="0" err="1"/>
+              <a:t>Code</a:t>
+            </a:r>
+            <a:r>
+              <a:rPr lang="sv-SE" dirty="0"/>
+              <a:t> </a:t>
+            </a:r>
+            <a:r>
+              <a:rPr lang="sv-SE" dirty="0" err="1"/>
+              <a:t>Coverage</a:t>
+            </a:r>
+            <a:endParaRPr lang="LID4096" dirty="0"/>
+          </a:p>
+        </p:txBody>
+      </p:sp>
+      <p:sp>
+        <p:nvSpPr>
+          <p:cNvPr id="3" name="Content Placeholder 2">
+            <a:extLst>
+              <a:ext uri="{FF2B5EF4-FFF2-40B4-BE49-F238E27FC236}">
+                <a16:creationId xmlns:a16="http://schemas.microsoft.com/office/drawing/2014/main" id="{96BAAA72-DD05-EA96-8FA4-9F68102B05E4}"/>
+              </a:ext>
+            </a:extLst>
+          </p:cNvPr>
+          <p:cNvSpPr>
+            <a:spLocks noGrp="1"/>
+          </p:cNvSpPr>
+          <p:nvPr>
+            <p:ph idx="1"/>
+          </p:nvPr>
+        </p:nvSpPr>
+        <p:spPr/>
+        <p:txBody>
+          <a:bodyPr>
+            <a:normAutofit fontScale="92500" lnSpcReduction="10000"/>
+          </a:bodyPr>
+          <a:lstStyle/>
+          <a:p>
+            <a:r>
+              <a:rPr lang="sv-SE" dirty="0"/>
+              <a:t>Påståenden</a:t>
+            </a:r>
+          </a:p>
+          <a:p>
+            <a:pPr lvl="1"/>
+            <a:r>
+              <a:rPr lang="sv-SE" dirty="0"/>
+              <a:t>Tester på varje rad?</a:t>
+            </a:r>
+          </a:p>
+          <a:p>
+            <a:r>
+              <a:rPr lang="sv-SE" dirty="0"/>
+              <a:t>Avgreningar i kod</a:t>
+            </a:r>
+          </a:p>
+          <a:p>
+            <a:pPr lvl="1"/>
+            <a:r>
+              <a:rPr lang="sv-SE" dirty="0"/>
+              <a:t>If, </a:t>
+            </a:r>
+            <a:r>
+              <a:rPr lang="sv-SE" dirty="0" err="1"/>
+              <a:t>else</a:t>
+            </a:r>
+            <a:r>
+              <a:rPr lang="sv-SE" dirty="0"/>
+              <a:t>, switch etc.</a:t>
+            </a:r>
+          </a:p>
+          <a:p>
+            <a:r>
+              <a:rPr lang="sv-SE" dirty="0"/>
+              <a:t>Funktioner/metoder</a:t>
+            </a:r>
+          </a:p>
+          <a:p>
+            <a:pPr lvl="1"/>
+            <a:r>
+              <a:rPr lang="sv-SE" dirty="0"/>
+              <a:t>Används alla funktioner? (LSP/Statisk kodanalys)</a:t>
+            </a:r>
+          </a:p>
+          <a:p>
+            <a:r>
+              <a:rPr lang="sv-SE" dirty="0"/>
+              <a:t>Logiska uttryck</a:t>
+            </a:r>
+          </a:p>
+          <a:p>
+            <a:pPr lvl="1"/>
+            <a:r>
+              <a:rPr lang="sv-SE" dirty="0"/>
+              <a:t>Testas </a:t>
+            </a:r>
+            <a:r>
+              <a:rPr lang="sv-SE"/>
+              <a:t>alla varianter?</a:t>
+            </a:r>
+            <a:endParaRPr lang="sv-SE" dirty="0"/>
+          </a:p>
+          <a:p>
+            <a:r>
+              <a:rPr lang="sv-SE" dirty="0"/>
+              <a:t>Hur stor procent av min kod är täckt av tester?</a:t>
+            </a:r>
+          </a:p>
+          <a:p>
+            <a:pPr lvl="1"/>
+            <a:r>
+              <a:rPr lang="sv-SE" dirty="0"/>
+              <a:t>TDD</a:t>
+            </a:r>
+          </a:p>
+          <a:p>
+            <a:pPr lvl="1"/>
+            <a:r>
+              <a:rPr lang="sv-SE" dirty="0" err="1"/>
+              <a:t>Unit</a:t>
+            </a:r>
+            <a:r>
+              <a:rPr lang="sv-SE" dirty="0"/>
+              <a:t> Tests skrivna i efterhand</a:t>
+            </a:r>
+          </a:p>
+          <a:p>
+            <a:endParaRPr lang="sv-SE" dirty="0"/>
+          </a:p>
+          <a:p>
+            <a:pPr lvl="1"/>
+            <a:endParaRPr lang="LID4096" dirty="0"/>
+          </a:p>
+        </p:txBody>
+      </p:sp>
+    </p:spTree>
+    <p:extLst>
+      <p:ext uri="{BB962C8B-B14F-4D97-AF65-F5344CB8AC3E}">
+        <p14:creationId xmlns:p14="http://schemas.microsoft.com/office/powerpoint/2010/main" val="2269565425"/>
+      </p:ext>
+    </p:extLst>
+  </p:cSld>
+  <p:clrMapOvr>
+    <a:masterClrMapping/>
+  </p:clrMapOvr>
+</p:sld>
+</file>
+
+<file path=ppt/slides/slide11.xml><?xml version="1.0" encoding="utf-8"?>
+<p:sld xmlns:a="http://schemas.openxmlformats.org/drawingml/2006/main" xmlns:r="http://schemas.openxmlformats.org/officeDocument/2006/relationships" xmlns:p="http://schemas.openxmlformats.org/presentationml/2006/main">
+  <p:cSld>
+    <p:spTree>
+      <p:nvGrpSpPr>
+        <p:cNvPr id="1" name=""/>
+        <p:cNvGrpSpPr/>
+        <p:nvPr/>
+      </p:nvGrpSpPr>
+      <p:grpSpPr>
+        <a:xfrm>
+          <a:off x="0" y="0"/>
+          <a:ext cx="0" cy="0"/>
+          <a:chOff x="0" y="0"/>
+          <a:chExt cx="0" cy="0"/>
+        </a:xfrm>
+      </p:grpSpPr>
+      <p:sp>
+        <p:nvSpPr>
+          <p:cNvPr id="2" name="Title 1">
+            <a:extLst>
+              <a:ext uri="{FF2B5EF4-FFF2-40B4-BE49-F238E27FC236}">
+                <a16:creationId xmlns:a16="http://schemas.microsoft.com/office/drawing/2014/main" id="{E3A2C92C-BA33-8F95-65F3-8D2A2E8F387C}"/>
+              </a:ext>
+            </a:extLst>
+          </p:cNvPr>
+          <p:cNvSpPr>
+            <a:spLocks noGrp="1"/>
+          </p:cNvSpPr>
+          <p:nvPr>
+            <p:ph type="title"/>
+          </p:nvPr>
+        </p:nvSpPr>
+        <p:spPr/>
+        <p:txBody>
+          <a:bodyPr/>
+          <a:lstStyle/>
+          <a:p>
+            <a:r>
+              <a:rPr lang="sv-SE" dirty="0"/>
+              <a:t>Verktyg</a:t>
+            </a:r>
+            <a:endParaRPr lang="LID4096" dirty="0"/>
+          </a:p>
+        </p:txBody>
+      </p:sp>
+      <p:sp>
+        <p:nvSpPr>
+          <p:cNvPr id="3" name="Content Placeholder 2">
+            <a:extLst>
+              <a:ext uri="{FF2B5EF4-FFF2-40B4-BE49-F238E27FC236}">
+                <a16:creationId xmlns:a16="http://schemas.microsoft.com/office/drawing/2014/main" id="{445C3976-E7F6-13AD-99BA-8F3B92F7FA6C}"/>
+              </a:ext>
+            </a:extLst>
+          </p:cNvPr>
+          <p:cNvSpPr>
+            <a:spLocks noGrp="1"/>
+          </p:cNvSpPr>
+          <p:nvPr>
+            <p:ph idx="1"/>
+          </p:nvPr>
+        </p:nvSpPr>
+        <p:spPr>
+          <a:xfrm>
+            <a:off x="838200" y="1835150"/>
+            <a:ext cx="10515600" cy="4351338"/>
+          </a:xfrm>
+        </p:spPr>
+        <p:txBody>
+          <a:bodyPr/>
+          <a:lstStyle/>
+          <a:p>
+            <a:r>
+              <a:rPr lang="sv-SE" dirty="0"/>
+              <a:t>Oftast inbyggt i IDE på något sätt</a:t>
+            </a:r>
+          </a:p>
+          <a:p>
+            <a:r>
+              <a:rPr lang="sv-SE" dirty="0"/>
+              <a:t>Verktyg</a:t>
+            </a:r>
+          </a:p>
+          <a:p>
+            <a:pPr lvl="1"/>
+            <a:r>
+              <a:rPr lang="sv-SE" dirty="0" err="1"/>
+              <a:t>Sonarqube</a:t>
+            </a:r>
+            <a:endParaRPr lang="sv-SE" dirty="0"/>
+          </a:p>
+          <a:p>
+            <a:pPr lvl="1"/>
+            <a:r>
+              <a:rPr lang="sv-SE" dirty="0" err="1"/>
+              <a:t>NCrunch</a:t>
+            </a:r>
+            <a:endParaRPr lang="sv-SE" dirty="0"/>
+          </a:p>
+          <a:p>
+            <a:pPr lvl="1"/>
+            <a:r>
+              <a:rPr lang="sv-SE" dirty="0" err="1"/>
+              <a:t>DotCoverage</a:t>
+            </a:r>
+            <a:endParaRPr lang="sv-SE" dirty="0"/>
+          </a:p>
+          <a:p>
+            <a:endParaRPr lang="LID4096" dirty="0"/>
+          </a:p>
+        </p:txBody>
+      </p:sp>
+    </p:spTree>
+    <p:extLst>
+      <p:ext uri="{BB962C8B-B14F-4D97-AF65-F5344CB8AC3E}">
+        <p14:creationId xmlns:p14="http://schemas.microsoft.com/office/powerpoint/2010/main" val="2149956654"/>
+      </p:ext>
+    </p:extLst>
+  </p:cSld>
+  <p:clrMapOvr>
+    <a:masterClrMapping/>
+  </p:clrMapOvr>
+</p:sld>
+</file>
+
 <file path=ppt/slides/slide2.xml><?xml version="1.0" encoding="utf-8"?>
 <p:sld xmlns:a="http://schemas.openxmlformats.org/drawingml/2006/main" xmlns:r="http://schemas.openxmlformats.org/officeDocument/2006/relationships" xmlns:p="http://schemas.openxmlformats.org/presentationml/2006/main">
   <p:cSld>
@@ -3827,13 +4783,8 @@
             <a:pPr lvl="1"/>
             <a:r>
               <a:rPr lang="sv-SE" dirty="0"/>
-              <a:t>S.O.L.I.</a:t>
-            </a:r>
-            <a:r>
-              <a:rPr lang="sv-SE"/>
-              <a:t>D principer</a:t>
-            </a:r>
-            <a:endParaRPr lang="sv-SE" dirty="0"/>
+              <a:t>S.O.L.I.D principer</a:t>
+            </a:r>
           </a:p>
           <a:p>
             <a:pPr lvl="1"/>
@@ -4248,6 +5199,438 @@
     <p:extLst>
       <p:ext uri="{BB962C8B-B14F-4D97-AF65-F5344CB8AC3E}">
         <p14:creationId xmlns:p14="http://schemas.microsoft.com/office/powerpoint/2010/main" val="3728464276"/>
+      </p:ext>
+    </p:extLst>
+  </p:cSld>
+  <p:clrMapOvr>
+    <a:masterClrMapping/>
+  </p:clrMapOvr>
+</p:sld>
+</file>
+
+<file path=ppt/slides/slide7.xml><?xml version="1.0" encoding="utf-8"?>
+<p:sld xmlns:a="http://schemas.openxmlformats.org/drawingml/2006/main" xmlns:r="http://schemas.openxmlformats.org/officeDocument/2006/relationships" xmlns:p="http://schemas.openxmlformats.org/presentationml/2006/main">
+  <p:cSld>
+    <p:spTree>
+      <p:nvGrpSpPr>
+        <p:cNvPr id="1" name=""/>
+        <p:cNvGrpSpPr/>
+        <p:nvPr/>
+      </p:nvGrpSpPr>
+      <p:grpSpPr>
+        <a:xfrm>
+          <a:off x="0" y="0"/>
+          <a:ext cx="0" cy="0"/>
+          <a:chOff x="0" y="0"/>
+          <a:chExt cx="0" cy="0"/>
+        </a:xfrm>
+      </p:grpSpPr>
+      <p:sp>
+        <p:nvSpPr>
+          <p:cNvPr id="2" name="Title 1">
+            <a:extLst>
+              <a:ext uri="{FF2B5EF4-FFF2-40B4-BE49-F238E27FC236}">
+                <a16:creationId xmlns:a16="http://schemas.microsoft.com/office/drawing/2014/main" id="{10BAAF44-9A35-B1A3-6936-D9E2D0F64C62}"/>
+              </a:ext>
+            </a:extLst>
+          </p:cNvPr>
+          <p:cNvSpPr>
+            <a:spLocks noGrp="1"/>
+          </p:cNvSpPr>
+          <p:nvPr>
+            <p:ph type="title"/>
+          </p:nvPr>
+        </p:nvSpPr>
+        <p:spPr/>
+        <p:txBody>
+          <a:bodyPr/>
+          <a:lstStyle/>
+          <a:p>
+            <a:r>
+              <a:rPr lang="sv-SE" dirty="0"/>
+              <a:t>Reflektion TDD	</a:t>
+            </a:r>
+            <a:endParaRPr lang="LID4096" dirty="0"/>
+          </a:p>
+        </p:txBody>
+      </p:sp>
+      <p:sp>
+        <p:nvSpPr>
+          <p:cNvPr id="3" name="Content Placeholder 2">
+            <a:extLst>
+              <a:ext uri="{FF2B5EF4-FFF2-40B4-BE49-F238E27FC236}">
+                <a16:creationId xmlns:a16="http://schemas.microsoft.com/office/drawing/2014/main" id="{EE5FA5E6-89D3-1045-A18F-16597B1EA129}"/>
+              </a:ext>
+            </a:extLst>
+          </p:cNvPr>
+          <p:cNvSpPr>
+            <a:spLocks noGrp="1"/>
+          </p:cNvSpPr>
+          <p:nvPr>
+            <p:ph idx="1"/>
+          </p:nvPr>
+        </p:nvSpPr>
+        <p:spPr>
+          <a:xfrm>
+            <a:off x="838200" y="1850118"/>
+            <a:ext cx="10515600" cy="4351338"/>
+          </a:xfrm>
+        </p:spPr>
+        <p:txBody>
+          <a:bodyPr>
+            <a:normAutofit lnSpcReduction="10000"/>
+          </a:bodyPr>
+          <a:lstStyle/>
+          <a:p>
+            <a:r>
+              <a:rPr lang="sv-SE" dirty="0"/>
+              <a:t>Var uppgiften enkel? Han man i mål på sin timme?</a:t>
+            </a:r>
+          </a:p>
+          <a:p>
+            <a:r>
+              <a:rPr lang="sv-SE" dirty="0"/>
+              <a:t>Vad gick bra/dåligt?</a:t>
+            </a:r>
+          </a:p>
+          <a:p>
+            <a:r>
+              <a:rPr lang="sv-SE" dirty="0"/>
+              <a:t>Tänkte man mer/mindre än vanligt?</a:t>
+            </a:r>
+          </a:p>
+          <a:p>
+            <a:r>
+              <a:rPr lang="sv-SE" dirty="0"/>
+              <a:t>Disciplinärt?</a:t>
+            </a:r>
+          </a:p>
+          <a:p>
+            <a:pPr lvl="1"/>
+            <a:r>
+              <a:rPr lang="sv-SE" dirty="0"/>
+              <a:t>Lyckades man skriva alla sina tester innan kod?</a:t>
+            </a:r>
+          </a:p>
+          <a:p>
+            <a:pPr lvl="1"/>
+            <a:r>
+              <a:rPr lang="sv-SE" dirty="0"/>
+              <a:t>Ingen AI?</a:t>
+            </a:r>
+          </a:p>
+          <a:p>
+            <a:pPr lvl="1"/>
+            <a:r>
+              <a:rPr lang="sv-SE" dirty="0"/>
+              <a:t>Röd </a:t>
+            </a:r>
+            <a:r>
+              <a:rPr lang="sv-SE" dirty="0">
+                <a:sym typeface="Wingdings" panose="05000000000000000000" pitchFamily="2" charset="2"/>
+              </a:rPr>
+              <a:t> Grön  Refaktorera	(</a:t>
+            </a:r>
+            <a:r>
+              <a:rPr lang="sv-SE" dirty="0" err="1">
+                <a:sym typeface="Wingdings" panose="05000000000000000000" pitchFamily="2" charset="2"/>
+              </a:rPr>
+              <a:t>repeat</a:t>
+            </a:r>
+            <a:r>
+              <a:rPr lang="sv-SE" dirty="0">
+                <a:sym typeface="Wingdings" panose="05000000000000000000" pitchFamily="2" charset="2"/>
+              </a:rPr>
+              <a:t>)</a:t>
+            </a:r>
+            <a:endParaRPr lang="sv-SE" dirty="0"/>
+          </a:p>
+          <a:p>
+            <a:pPr lvl="1"/>
+            <a:r>
+              <a:rPr lang="sv-SE" dirty="0"/>
+              <a:t>Minsta möjliga implementation för att testet ska gå igenom? </a:t>
+            </a:r>
+          </a:p>
+          <a:p>
+            <a:r>
+              <a:rPr lang="sv-SE" dirty="0"/>
+              <a:t>Hamnade man i ett skönt </a:t>
+            </a:r>
+            <a:r>
+              <a:rPr lang="sv-SE" dirty="0" err="1"/>
+              <a:t>flow</a:t>
+            </a:r>
+            <a:r>
+              <a:rPr lang="sv-SE" dirty="0"/>
+              <a:t>?</a:t>
+            </a:r>
+          </a:p>
+          <a:p>
+            <a:r>
+              <a:rPr lang="sv-SE" dirty="0"/>
+              <a:t>Finns felhantering/logik/annat man inte testat?</a:t>
+            </a:r>
+          </a:p>
+          <a:p>
+            <a:endParaRPr lang="sv-SE" dirty="0"/>
+          </a:p>
+          <a:p>
+            <a:endParaRPr lang="sv-SE" dirty="0"/>
+          </a:p>
+          <a:p>
+            <a:pPr lvl="1"/>
+            <a:endParaRPr lang="sv-SE" dirty="0"/>
+          </a:p>
+          <a:p>
+            <a:endParaRPr lang="sv-SE" dirty="0"/>
+          </a:p>
+        </p:txBody>
+      </p:sp>
+    </p:spTree>
+    <p:extLst>
+      <p:ext uri="{BB962C8B-B14F-4D97-AF65-F5344CB8AC3E}">
+        <p14:creationId xmlns:p14="http://schemas.microsoft.com/office/powerpoint/2010/main" val="1918561741"/>
+      </p:ext>
+    </p:extLst>
+  </p:cSld>
+  <p:clrMapOvr>
+    <a:masterClrMapping/>
+  </p:clrMapOvr>
+</p:sld>
+</file>
+
+<file path=ppt/slides/slide8.xml><?xml version="1.0" encoding="utf-8"?>
+<p:sld xmlns:a="http://schemas.openxmlformats.org/drawingml/2006/main" xmlns:r="http://schemas.openxmlformats.org/officeDocument/2006/relationships" xmlns:p="http://schemas.openxmlformats.org/presentationml/2006/main">
+  <p:cSld>
+    <p:spTree>
+      <p:nvGrpSpPr>
+        <p:cNvPr id="1" name=""/>
+        <p:cNvGrpSpPr/>
+        <p:nvPr/>
+      </p:nvGrpSpPr>
+      <p:grpSpPr>
+        <a:xfrm>
+          <a:off x="0" y="0"/>
+          <a:ext cx="0" cy="0"/>
+          <a:chOff x="0" y="0"/>
+          <a:chExt cx="0" cy="0"/>
+        </a:xfrm>
+      </p:grpSpPr>
+      <p:sp>
+        <p:nvSpPr>
+          <p:cNvPr id="2" name="Title 1">
+            <a:extLst>
+              <a:ext uri="{FF2B5EF4-FFF2-40B4-BE49-F238E27FC236}">
+                <a16:creationId xmlns:a16="http://schemas.microsoft.com/office/drawing/2014/main" id="{2702313D-0911-47C6-B1F1-1F5D92E4479D}"/>
+              </a:ext>
+            </a:extLst>
+          </p:cNvPr>
+          <p:cNvSpPr>
+            <a:spLocks noGrp="1"/>
+          </p:cNvSpPr>
+          <p:nvPr>
+            <p:ph type="title"/>
+          </p:nvPr>
+        </p:nvSpPr>
+        <p:spPr/>
+        <p:txBody>
+          <a:bodyPr/>
+          <a:lstStyle/>
+          <a:p>
+            <a:pPr algn="ctr"/>
+            <a:r>
+              <a:rPr lang="sv-SE" dirty="0"/>
+              <a:t>Visa!</a:t>
+            </a:r>
+            <a:endParaRPr lang="LID4096" dirty="0"/>
+          </a:p>
+        </p:txBody>
+      </p:sp>
+      <p:pic>
+        <p:nvPicPr>
+          <p:cNvPr id="5" name="Content Placeholder 4" descr="Microphone with stage lights">
+            <a:extLst>
+              <a:ext uri="{FF2B5EF4-FFF2-40B4-BE49-F238E27FC236}">
+                <a16:creationId xmlns:a16="http://schemas.microsoft.com/office/drawing/2014/main" id="{5A3D1B92-F6C6-EA15-E032-6870DF4731BA}"/>
+              </a:ext>
+            </a:extLst>
+          </p:cNvPr>
+          <p:cNvPicPr>
+            <a:picLocks noGrp="1" noChangeAspect="1"/>
+          </p:cNvPicPr>
+          <p:nvPr>
+            <p:ph idx="1"/>
+          </p:nvPr>
+        </p:nvPicPr>
+        <p:blipFill>
+          <a:blip r:embed="rId2">
+            <a:extLst>
+              <a:ext uri="{28A0092B-C50C-407E-A947-70E740481C1C}">
+                <a14:useLocalDpi xmlns:a14="http://schemas.microsoft.com/office/drawing/2010/main" val="0"/>
+              </a:ext>
+            </a:extLst>
+          </a:blip>
+          <a:stretch>
+            <a:fillRect/>
+          </a:stretch>
+        </p:blipFill>
+        <p:spPr>
+          <a:xfrm>
+            <a:off x="2785621" y="1825625"/>
+            <a:ext cx="6620757" cy="4351338"/>
+          </a:xfrm>
+        </p:spPr>
+      </p:pic>
+    </p:spTree>
+    <p:extLst>
+      <p:ext uri="{BB962C8B-B14F-4D97-AF65-F5344CB8AC3E}">
+        <p14:creationId xmlns:p14="http://schemas.microsoft.com/office/powerpoint/2010/main" val="2932317767"/>
+      </p:ext>
+    </p:extLst>
+  </p:cSld>
+  <p:clrMapOvr>
+    <a:masterClrMapping/>
+  </p:clrMapOvr>
+</p:sld>
+</file>
+
+<file path=ppt/slides/slide9.xml><?xml version="1.0" encoding="utf-8"?>
+<p:sld xmlns:a="http://schemas.openxmlformats.org/drawingml/2006/main" xmlns:r="http://schemas.openxmlformats.org/officeDocument/2006/relationships" xmlns:p="http://schemas.openxmlformats.org/presentationml/2006/main">
+  <p:cSld>
+    <p:spTree>
+      <p:nvGrpSpPr>
+        <p:cNvPr id="1" name=""/>
+        <p:cNvGrpSpPr/>
+        <p:nvPr/>
+      </p:nvGrpSpPr>
+      <p:grpSpPr>
+        <a:xfrm>
+          <a:off x="0" y="0"/>
+          <a:ext cx="0" cy="0"/>
+          <a:chOff x="0" y="0"/>
+          <a:chExt cx="0" cy="0"/>
+        </a:xfrm>
+      </p:grpSpPr>
+      <p:sp>
+        <p:nvSpPr>
+          <p:cNvPr id="2" name="Title 1">
+            <a:extLst>
+              <a:ext uri="{FF2B5EF4-FFF2-40B4-BE49-F238E27FC236}">
+                <a16:creationId xmlns:a16="http://schemas.microsoft.com/office/drawing/2014/main" id="{1CABF461-6143-E1D4-A856-8039F1B81954}"/>
+              </a:ext>
+            </a:extLst>
+          </p:cNvPr>
+          <p:cNvSpPr>
+            <a:spLocks noGrp="1"/>
+          </p:cNvSpPr>
+          <p:nvPr>
+            <p:ph type="title"/>
+          </p:nvPr>
+        </p:nvSpPr>
+        <p:spPr/>
+        <p:txBody>
+          <a:bodyPr/>
+          <a:lstStyle/>
+          <a:p>
+            <a:r>
+              <a:rPr lang="sv-SE" dirty="0" err="1"/>
+              <a:t>Unit</a:t>
+            </a:r>
+            <a:r>
+              <a:rPr lang="sv-SE" dirty="0"/>
+              <a:t> Tests forts.</a:t>
+            </a:r>
+            <a:endParaRPr lang="LID4096" dirty="0"/>
+          </a:p>
+        </p:txBody>
+      </p:sp>
+      <p:sp>
+        <p:nvSpPr>
+          <p:cNvPr id="3" name="Content Placeholder 2">
+            <a:extLst>
+              <a:ext uri="{FF2B5EF4-FFF2-40B4-BE49-F238E27FC236}">
+                <a16:creationId xmlns:a16="http://schemas.microsoft.com/office/drawing/2014/main" id="{77010003-912C-0B20-61DC-6AB308CDFD54}"/>
+              </a:ext>
+            </a:extLst>
+          </p:cNvPr>
+          <p:cNvSpPr>
+            <a:spLocks noGrp="1"/>
+          </p:cNvSpPr>
+          <p:nvPr>
+            <p:ph idx="1"/>
+          </p:nvPr>
+        </p:nvSpPr>
+        <p:spPr/>
+        <p:txBody>
+          <a:bodyPr/>
+          <a:lstStyle/>
+          <a:p>
+            <a:r>
+              <a:rPr lang="sv-SE" dirty="0"/>
+              <a:t>Ska vara små och lätta att läsa</a:t>
+            </a:r>
+          </a:p>
+          <a:p>
+            <a:r>
+              <a:rPr lang="sv-SE" dirty="0"/>
+              <a:t>Ska vara extremt snabba (1000 tester &lt; 100 </a:t>
+            </a:r>
+            <a:r>
+              <a:rPr lang="sv-SE" dirty="0" err="1"/>
+              <a:t>ms</a:t>
+            </a:r>
+            <a:r>
+              <a:rPr lang="sv-SE" dirty="0"/>
+              <a:t>)</a:t>
+            </a:r>
+          </a:p>
+          <a:p>
+            <a:r>
+              <a:rPr lang="sv-SE" dirty="0"/>
+              <a:t>Ska köras kontinuerligt (helst automatiserat) </a:t>
+            </a:r>
+            <a:r>
+              <a:rPr lang="sv-SE" dirty="0">
+                <a:sym typeface="Wingdings" panose="05000000000000000000" pitchFamily="2" charset="2"/>
+              </a:rPr>
+              <a:t> </a:t>
+            </a:r>
+            <a:r>
+              <a:rPr lang="sv-SE" dirty="0"/>
+              <a:t>direkt feedback</a:t>
+            </a:r>
+          </a:p>
+          <a:p>
+            <a:r>
+              <a:rPr lang="sv-SE" dirty="0"/>
+              <a:t>Istället för debugger</a:t>
+            </a:r>
+          </a:p>
+          <a:p>
+            <a:r>
+              <a:rPr lang="sv-SE" dirty="0"/>
+              <a:t>Utvecklaren skriver tester (Se BDD senare)</a:t>
+            </a:r>
+          </a:p>
+          <a:p>
+            <a:r>
+              <a:rPr lang="sv-SE" dirty="0"/>
+              <a:t>Testerna fungerar som förståelse/krav/dokumentation för kod</a:t>
+            </a:r>
+          </a:p>
+          <a:p>
+            <a:pPr marL="0" indent="0">
+              <a:buNone/>
+            </a:pPr>
+            <a:endParaRPr lang="sv-SE" dirty="0"/>
+          </a:p>
+        </p:txBody>
+      </p:sp>
+    </p:spTree>
+    <p:extLst>
+      <p:ext uri="{BB962C8B-B14F-4D97-AF65-F5344CB8AC3E}">
+        <p14:creationId xmlns:p14="http://schemas.microsoft.com/office/powerpoint/2010/main" val="2137054637"/>
       </p:ext>
     </p:extLst>
   </p:cSld>
@@ -4570,4 +5953,319 @@
     </a:ext>
   </a:extLst>
 </a:theme>
+</file>
+
+<file path=ppt/theme/theme2.xml><?xml version="1.0" encoding="utf-8"?>
+<a:theme xmlns:a="http://schemas.openxmlformats.org/drawingml/2006/main" name="Office Theme">
+  <a:themeElements>
+    <a:clrScheme name="Office">
+      <a:dk1>
+        <a:sysClr val="windowText" lastClr="000000"/>
+      </a:dk1>
+      <a:lt1>
+        <a:sysClr val="window" lastClr="FFFFFF"/>
+      </a:lt1>
+      <a:dk2>
+        <a:srgbClr val="0E2841"/>
+      </a:dk2>
+      <a:lt2>
+        <a:srgbClr val="E8E8E8"/>
+      </a:lt2>
+      <a:accent1>
+        <a:srgbClr val="156082"/>
+      </a:accent1>
+      <a:accent2>
+        <a:srgbClr val="E97132"/>
+      </a:accent2>
+      <a:accent3>
+        <a:srgbClr val="196B24"/>
+      </a:accent3>
+      <a:accent4>
+        <a:srgbClr val="0F9ED5"/>
+      </a:accent4>
+      <a:accent5>
+        <a:srgbClr val="A02B93"/>
+      </a:accent5>
+      <a:accent6>
+        <a:srgbClr val="4EA72E"/>
+      </a:accent6>
+      <a:hlink>
+        <a:srgbClr val="467886"/>
+      </a:hlink>
+      <a:folHlink>
+        <a:srgbClr val="96607D"/>
+      </a:folHlink>
+    </a:clrScheme>
+    <a:fontScheme name="Office">
+      <a:majorFont>
+        <a:latin typeface="Aptos Display" panose="02110004020202020204"/>
+        <a:ea typeface=""/>
+        <a:cs typeface=""/>
+        <a:font script="Jpan" typeface="游ゴシック Light"/>
+        <a:font script="Hang" typeface="맑은 고딕"/>
+        <a:font script="Hans" typeface="等线 Light"/>
+        <a:font script="Hant" typeface="新細明體"/>
+        <a:font script="Arab" typeface="Times New Roman"/>
+        <a:font script="Hebr" typeface="Times New Roman"/>
+        <a:font script="Thai" typeface="Angsana New"/>
+        <a:font script="Ethi" typeface="Nyala"/>
+        <a:font script="Beng" typeface="Vrinda"/>
+        <a:font script="Gujr" typeface="Shruti"/>
+        <a:font script="Khmr" typeface="MoolBoran"/>
+        <a:font script="Knda" typeface="Tunga"/>
+        <a:font script="Guru" typeface="Raavi"/>
+        <a:font script="Cans" typeface="Euphemia"/>
+        <a:font script="Cher" typeface="Plantagenet Cherokee"/>
+        <a:font script="Yiii" typeface="Microsoft Yi Baiti"/>
+        <a:font script="Tibt" typeface="Microsoft Himalaya"/>
+        <a:font script="Thaa" typeface="MV Boli"/>
+        <a:font script="Deva" typeface="Mangal"/>
+        <a:font script="Telu" typeface="Gautami"/>
+        <a:font script="Taml" typeface="Latha"/>
+        <a:font script="Syrc" typeface="Estrangelo Edessa"/>
+        <a:font script="Orya" typeface="Kalinga"/>
+        <a:font script="Mlym" typeface="Kartika"/>
+        <a:font script="Laoo" typeface="DokChampa"/>
+        <a:font script="Sinh" typeface="Iskoola Pota"/>
+        <a:font script="Mong" typeface="Mongolian Baiti"/>
+        <a:font script="Viet" typeface="Times New Roman"/>
+        <a:font script="Uigh" typeface="Microsoft Uighur"/>
+        <a:font script="Geor" typeface="Sylfaen"/>
+        <a:font script="Armn" typeface="Arial"/>
+        <a:font script="Bugi" typeface="Leelawadee UI"/>
+        <a:font script="Bopo" typeface="Microsoft JhengHei"/>
+        <a:font script="Java" typeface="Javanese Text"/>
+        <a:font script="Lisu" typeface="Segoe UI"/>
+        <a:font script="Mymr" typeface="Myanmar Text"/>
+        <a:font script="Nkoo" typeface="Ebrima"/>
+        <a:font script="Olck" typeface="Nirmala UI"/>
+        <a:font script="Osma" typeface="Ebrima"/>
+        <a:font script="Phag" typeface="Phagspa"/>
+        <a:font script="Syrn" typeface="Estrangelo Edessa"/>
+        <a:font script="Syrj" typeface="Estrangelo Edessa"/>
+        <a:font script="Syre" typeface="Estrangelo Edessa"/>
+        <a:font script="Sora" typeface="Nirmala UI"/>
+        <a:font script="Tale" typeface="Microsoft Tai Le"/>
+        <a:font script="Talu" typeface="Microsoft New Tai Lue"/>
+        <a:font script="Tfng" typeface="Ebrima"/>
+      </a:majorFont>
+      <a:minorFont>
+        <a:latin typeface="Aptos" panose="02110004020202020204"/>
+        <a:ea typeface=""/>
+        <a:cs typeface=""/>
+        <a:font script="Jpan" typeface="游ゴシック"/>
+        <a:font script="Hang" typeface="맑은 고딕"/>
+        <a:font script="Hans" typeface="等线"/>
+        <a:font script="Hant" typeface="新細明體"/>
+        <a:font script="Arab" typeface="Arial"/>
+        <a:font script="Hebr" typeface="Arial"/>
+        <a:font script="Thai" typeface="Cordia New"/>
+        <a:font script="Ethi" typeface="Nyala"/>
+        <a:font script="Beng" typeface="Vrinda"/>
+        <a:font script="Gujr" typeface="Shruti"/>
+        <a:font script="Khmr" typeface="DaunPenh"/>
+        <a:font script="Knda" typeface="Tunga"/>
+        <a:font script="Guru" typeface="Raavi"/>
+        <a:font script="Cans" typeface="Euphemia"/>
+        <a:font script="Cher" typeface="Plantagenet Cherokee"/>
+        <a:font script="Yiii" typeface="Microsoft Yi Baiti"/>
+        <a:font script="Tibt" typeface="Microsoft Himalaya"/>
+        <a:font script="Thaa" typeface="MV Boli"/>
+        <a:font script="Deva" typeface="Mangal"/>
+        <a:font script="Telu" typeface="Gautami"/>
+        <a:font script="Taml" typeface="Latha"/>
+        <a:font script="Syrc" typeface="Estrangelo Edessa"/>
+        <a:font script="Orya" typeface="Kalinga"/>
+        <a:font script="Mlym" typeface="Kartika"/>
+        <a:font script="Laoo" typeface="DokChampa"/>
+        <a:font script="Sinh" typeface="Iskoola Pota"/>
+        <a:font script="Mong" typeface="Mongolian Baiti"/>
+        <a:font script="Viet" typeface="Arial"/>
+        <a:font script="Uigh" typeface="Microsoft Uighur"/>
+        <a:font script="Geor" typeface="Sylfaen"/>
+        <a:font script="Armn" typeface="Arial"/>
+        <a:font script="Bugi" typeface="Leelawadee UI"/>
+        <a:font script="Bopo" typeface="Microsoft JhengHei"/>
+        <a:font script="Java" typeface="Javanese Text"/>
+        <a:font script="Lisu" typeface="Segoe UI"/>
+        <a:font script="Mymr" typeface="Myanmar Text"/>
+        <a:font script="Nkoo" typeface="Ebrima"/>
+        <a:font script="Olck" typeface="Nirmala UI"/>
+        <a:font script="Osma" typeface="Ebrima"/>
+        <a:font script="Phag" typeface="Phagspa"/>
+        <a:font script="Syrn" typeface="Estrangelo Edessa"/>
+        <a:font script="Syrj" typeface="Estrangelo Edessa"/>
+        <a:font script="Syre" typeface="Estrangelo Edessa"/>
+        <a:font script="Sora" typeface="Nirmala UI"/>
+        <a:font script="Tale" typeface="Microsoft Tai Le"/>
+        <a:font script="Talu" typeface="Microsoft New Tai Lue"/>
+        <a:font script="Tfng" typeface="Ebrima"/>
+      </a:minorFont>
+    </a:fontScheme>
+    <a:fmtScheme name="Office">
+      <a:fillStyleLst>
+        <a:solidFill>
+          <a:schemeClr val="phClr"/>
+        </a:solidFill>
+        <a:gradFill rotWithShape="1">
+          <a:gsLst>
+            <a:gs pos="0">
+              <a:schemeClr val="phClr">
+                <a:lumMod val="110000"/>
+                <a:satMod val="105000"/>
+                <a:tint val="67000"/>
+              </a:schemeClr>
+            </a:gs>
+            <a:gs pos="50000">
+              <a:schemeClr val="phClr">
+                <a:lumMod val="105000"/>
+                <a:satMod val="103000"/>
+                <a:tint val="73000"/>
+              </a:schemeClr>
+            </a:gs>
+            <a:gs pos="100000">
+              <a:schemeClr val="phClr">
+                <a:lumMod val="105000"/>
+                <a:satMod val="109000"/>
+                <a:tint val="81000"/>
+              </a:schemeClr>
+            </a:gs>
+          </a:gsLst>
+          <a:lin ang="5400000" scaled="0"/>
+        </a:gradFill>
+        <a:gradFill rotWithShape="1">
+          <a:gsLst>
+            <a:gs pos="0">
+              <a:schemeClr val="phClr">
+                <a:satMod val="103000"/>
+                <a:lumMod val="102000"/>
+                <a:tint val="94000"/>
+              </a:schemeClr>
+            </a:gs>
+            <a:gs pos="50000">
+              <a:schemeClr val="phClr">
+                <a:satMod val="110000"/>
+                <a:lumMod val="100000"/>
+                <a:shade val="100000"/>
+              </a:schemeClr>
+            </a:gs>
+            <a:gs pos="100000">
+              <a:schemeClr val="phClr">
+                <a:lumMod val="99000"/>
+                <a:satMod val="120000"/>
+                <a:shade val="78000"/>
+              </a:schemeClr>
+            </a:gs>
+          </a:gsLst>
+          <a:lin ang="5400000" scaled="0"/>
+        </a:gradFill>
+      </a:fillStyleLst>
+      <a:lnStyleLst>
+        <a:ln w="12700" cap="flat" cmpd="sng" algn="ctr">
+          <a:solidFill>
+            <a:schemeClr val="phClr"/>
+          </a:solidFill>
+          <a:prstDash val="solid"/>
+          <a:miter lim="800000"/>
+        </a:ln>
+        <a:ln w="19050" cap="flat" cmpd="sng" algn="ctr">
+          <a:solidFill>
+            <a:schemeClr val="phClr"/>
+          </a:solidFill>
+          <a:prstDash val="solid"/>
+          <a:miter lim="800000"/>
+        </a:ln>
+        <a:ln w="25400" cap="flat" cmpd="sng" algn="ctr">
+          <a:solidFill>
+            <a:schemeClr val="phClr"/>
+          </a:solidFill>
+          <a:prstDash val="solid"/>
+          <a:miter lim="800000"/>
+        </a:ln>
+      </a:lnStyleLst>
+      <a:effectStyleLst>
+        <a:effectStyle>
+          <a:effectLst/>
+        </a:effectStyle>
+        <a:effectStyle>
+          <a:effectLst/>
+        </a:effectStyle>
+        <a:effectStyle>
+          <a:effectLst>
+            <a:outerShdw blurRad="57150" dist="19050" dir="5400000" algn="ctr" rotWithShape="0">
+              <a:srgbClr val="000000">
+                <a:alpha val="63000"/>
+              </a:srgbClr>
+            </a:outerShdw>
+          </a:effectLst>
+        </a:effectStyle>
+      </a:effectStyleLst>
+      <a:bgFillStyleLst>
+        <a:solidFill>
+          <a:schemeClr val="phClr"/>
+        </a:solidFill>
+        <a:solidFill>
+          <a:schemeClr val="phClr">
+            <a:tint val="95000"/>
+            <a:satMod val="170000"/>
+          </a:schemeClr>
+        </a:solidFill>
+        <a:gradFill rotWithShape="1">
+          <a:gsLst>
+            <a:gs pos="0">
+              <a:schemeClr val="phClr">
+                <a:tint val="93000"/>
+                <a:satMod val="150000"/>
+                <a:shade val="98000"/>
+                <a:lumMod val="102000"/>
+              </a:schemeClr>
+            </a:gs>
+            <a:gs pos="50000">
+              <a:schemeClr val="phClr">
+                <a:tint val="98000"/>
+                <a:satMod val="130000"/>
+                <a:shade val="90000"/>
+                <a:lumMod val="103000"/>
+              </a:schemeClr>
+            </a:gs>
+            <a:gs pos="100000">
+              <a:schemeClr val="phClr">
+                <a:shade val="63000"/>
+                <a:satMod val="120000"/>
+              </a:schemeClr>
+            </a:gs>
+          </a:gsLst>
+          <a:lin ang="5400000" scaled="0"/>
+        </a:gradFill>
+      </a:bgFillStyleLst>
+    </a:fmtScheme>
+  </a:themeElements>
+  <a:objectDefaults>
+    <a:lnDef>
+      <a:spPr/>
+      <a:bodyPr/>
+      <a:lstStyle/>
+      <a:style>
+        <a:lnRef idx="2">
+          <a:schemeClr val="accent1"/>
+        </a:lnRef>
+        <a:fillRef idx="0">
+          <a:schemeClr val="accent1"/>
+        </a:fillRef>
+        <a:effectRef idx="1">
+          <a:schemeClr val="accent1"/>
+        </a:effectRef>
+        <a:fontRef idx="minor">
+          <a:schemeClr val="tx1"/>
+        </a:fontRef>
+      </a:style>
+    </a:lnDef>
+  </a:objectDefaults>
+  <a:extraClrSchemeLst/>
+  <a:extLst>
+    <a:ext uri="{05A4C25C-085E-4340-85A3-A5531E510DB2}">
+      <thm15:themeFamily xmlns:thm15="http://schemas.microsoft.com/office/thememl/2012/main" name="Office Theme" id="{2E142A2C-CD16-42D6-873A-C26D2A0506FA}" vid="{1BDDFF52-6CD6-40A5-AB3C-68EB2F1E4D0A}"/>
+    </a:ext>
+  </a:extLst>
+</a:theme>
 </file>
--- a/Testning.pptx
+++ b/Testning.pptx
@@ -597,7 +597,7 @@
             </a:r>
             <a:r>
               <a:rPr lang="sv-SE" dirty="0"/>
-              <a:t> både kod och tester?</a:t>
+              <a:t> både kod och tester!</a:t>
             </a:r>
             <a:endParaRPr lang="LID4096" dirty="0"/>
           </a:p>
@@ -812,6 +812,125 @@
     <p:extLst>
       <p:ext uri="{BB962C8B-B14F-4D97-AF65-F5344CB8AC3E}">
         <p14:creationId xmlns:p14="http://schemas.microsoft.com/office/powerpoint/2010/main" val="3124532585"/>
+      </p:ext>
+    </p:extLst>
+  </p:cSld>
+  <p:clrMapOvr>
+    <a:masterClrMapping/>
+  </p:clrMapOvr>
+</p:notes>
+</file>
+
+<file path=ppt/notesSlides/notesSlide3.xml><?xml version="1.0" encoding="utf-8"?>
+<p:notes xmlns:a="http://schemas.openxmlformats.org/drawingml/2006/main" xmlns:r="http://schemas.openxmlformats.org/officeDocument/2006/relationships" xmlns:p="http://schemas.openxmlformats.org/presentationml/2006/main">
+  <p:cSld>
+    <p:spTree>
+      <p:nvGrpSpPr>
+        <p:cNvPr id="1" name=""/>
+        <p:cNvGrpSpPr/>
+        <p:nvPr/>
+      </p:nvGrpSpPr>
+      <p:grpSpPr>
+        <a:xfrm>
+          <a:off x="0" y="0"/>
+          <a:ext cx="0" cy="0"/>
+          <a:chOff x="0" y="0"/>
+          <a:chExt cx="0" cy="0"/>
+        </a:xfrm>
+      </p:grpSpPr>
+      <p:sp>
+        <p:nvSpPr>
+          <p:cNvPr id="2" name="Slide Image Placeholder 1"/>
+          <p:cNvSpPr>
+            <a:spLocks noGrp="1" noRot="1" noChangeAspect="1"/>
+          </p:cNvSpPr>
+          <p:nvPr>
+            <p:ph type="sldImg"/>
+          </p:nvPr>
+        </p:nvSpPr>
+        <p:spPr/>
+      </p:sp>
+      <p:sp>
+        <p:nvSpPr>
+          <p:cNvPr id="3" name="Notes Placeholder 2"/>
+          <p:cNvSpPr>
+            <a:spLocks noGrp="1"/>
+          </p:cNvSpPr>
+          <p:nvPr>
+            <p:ph type="body" idx="1"/>
+          </p:nvPr>
+        </p:nvSpPr>
+        <p:spPr/>
+        <p:txBody>
+          <a:bodyPr/>
+          <a:lstStyle/>
+          <a:p>
+            <a:r>
+              <a:rPr lang="sv-SE" dirty="0"/>
+              <a:t>Testerna måste vara skrivna på ett bra sätt</a:t>
+            </a:r>
+          </a:p>
+          <a:p>
+            <a:endParaRPr lang="sv-SE" dirty="0"/>
+          </a:p>
+          <a:p>
+            <a:r>
+              <a:rPr lang="sv-SE" dirty="0"/>
+              <a:t>OBS! Hög </a:t>
+            </a:r>
+            <a:r>
+              <a:rPr lang="sv-SE" dirty="0" err="1"/>
+              <a:t>code</a:t>
+            </a:r>
+            <a:r>
+              <a:rPr lang="sv-SE" dirty="0"/>
+              <a:t> </a:t>
+            </a:r>
+            <a:r>
+              <a:rPr lang="sv-SE" dirty="0" err="1"/>
+              <a:t>coverage</a:t>
+            </a:r>
+            <a:r>
+              <a:rPr lang="sv-SE" dirty="0"/>
+              <a:t> betyder nödvändigtvis inte att man har bra tester!! OBS!!!! </a:t>
+            </a:r>
+            <a:br>
+              <a:rPr lang="sv-SE" dirty="0"/>
+            </a:br>
+            <a:br>
+              <a:rPr lang="sv-SE" dirty="0"/>
+            </a:br>
+            <a:endParaRPr lang="LID4096" dirty="0"/>
+          </a:p>
+        </p:txBody>
+      </p:sp>
+      <p:sp>
+        <p:nvSpPr>
+          <p:cNvPr id="4" name="Slide Number Placeholder 3"/>
+          <p:cNvSpPr>
+            <a:spLocks noGrp="1"/>
+          </p:cNvSpPr>
+          <p:nvPr>
+            <p:ph type="sldNum" sz="quarter" idx="5"/>
+          </p:nvPr>
+        </p:nvSpPr>
+        <p:spPr/>
+        <p:txBody>
+          <a:bodyPr/>
+          <a:lstStyle/>
+          <a:p>
+            <a:fld id="{99C79E7B-F53A-41AF-A46B-11FA12D0B24A}" type="slidenum">
+              <a:rPr lang="LID4096" smtClean="0"/>
+              <a:t>10</a:t>
+            </a:fld>
+            <a:endParaRPr lang="LID4096"/>
+          </a:p>
+        </p:txBody>
+      </p:sp>
+    </p:spTree>
+    <p:extLst>
+      <p:ext uri="{BB962C8B-B14F-4D97-AF65-F5344CB8AC3E}">
+        <p14:creationId xmlns:p14="http://schemas.microsoft.com/office/powerpoint/2010/main" val="2972255138"/>
       </p:ext>
     </p:extLst>
   </p:cSld>
@@ -4196,7 +4315,7 @@
         <p:spPr/>
         <p:txBody>
           <a:bodyPr>
-            <a:normAutofit fontScale="92500" lnSpcReduction="10000"/>
+            <a:normAutofit fontScale="85000" lnSpcReduction="20000"/>
           </a:bodyPr>
           <a:lstStyle/>
           <a:p>
@@ -4256,37 +4375,58 @@
             <a:pPr lvl="1"/>
             <a:r>
               <a:rPr lang="sv-SE" dirty="0"/>
-              <a:t>Testas </a:t>
+              <a:t>Testas alla varianter?</a:t>
+            </a:r>
+          </a:p>
+          <a:p>
+            <a:r>
+              <a:rPr lang="sv-SE" dirty="0"/>
+              <a:t>Hur stor procent av min kod är täckt av tester?</a:t>
+            </a:r>
+          </a:p>
+          <a:p>
+            <a:pPr lvl="1"/>
+            <a:r>
+              <a:rPr lang="sv-SE" dirty="0"/>
+              <a:t>TDD</a:t>
+            </a:r>
+          </a:p>
+          <a:p>
+            <a:pPr lvl="1"/>
+            <a:r>
+              <a:rPr lang="sv-SE" dirty="0" err="1"/>
+              <a:t>Eftertester</a:t>
+            </a:r>
+            <a:endParaRPr lang="sv-SE" dirty="0"/>
+          </a:p>
+          <a:p>
+            <a:r>
+              <a:rPr lang="sv-SE" dirty="0"/>
+              <a:t>CI/CD</a:t>
+            </a:r>
+          </a:p>
+          <a:p>
+            <a:r>
+              <a:rPr lang="sv-SE" dirty="0"/>
+              <a:t>Hög </a:t>
+            </a:r>
+            <a:r>
+              <a:rPr lang="sv-SE" dirty="0" err="1"/>
+              <a:t>code</a:t>
+            </a:r>
+            <a:r>
+              <a:rPr lang="sv-SE" dirty="0"/>
+              <a:t> </a:t>
+            </a:r>
+            <a:r>
+              <a:rPr lang="sv-SE" dirty="0" err="1"/>
+              <a:t>coverage</a:t>
             </a:r>
             <a:r>
               <a:rPr lang="sv-SE"/>
-              <a:t>alla varianter?</a:t>
+              <a:t> != bra tester</a:t>
             </a:r>
             <a:endParaRPr lang="sv-SE" dirty="0"/>
-          </a:p>
-          <a:p>
-            <a:r>
-              <a:rPr lang="sv-SE" dirty="0"/>
-              <a:t>Hur stor procent av min kod är täckt av tester?</a:t>
-            </a:r>
-          </a:p>
-          <a:p>
-            <a:pPr lvl="1"/>
-            <a:r>
-              <a:rPr lang="sv-SE" dirty="0"/>
-              <a:t>TDD</a:t>
-            </a:r>
-          </a:p>
-          <a:p>
-            <a:pPr lvl="1"/>
-            <a:r>
-              <a:rPr lang="sv-SE" dirty="0" err="1"/>
-              <a:t>Unit</a:t>
-            </a:r>
-            <a:r>
-              <a:rPr lang="sv-SE" dirty="0"/>
-              <a:t> Tests skrivna i efterhand</a:t>
-            </a:r>
           </a:p>
           <a:p>
             <a:endParaRPr lang="sv-SE" dirty="0"/>
@@ -4414,6 +4554,22 @@
             <a:r>
               <a:rPr lang="sv-SE" dirty="0" err="1"/>
               <a:t>DotCoverage</a:t>
+            </a:r>
+            <a:endParaRPr lang="sv-SE" dirty="0"/>
+          </a:p>
+          <a:p>
+            <a:pPr lvl="1"/>
+            <a:r>
+              <a:rPr lang="sv-SE" dirty="0" err="1"/>
+              <a:t>jest</a:t>
+            </a:r>
+            <a:r>
+              <a:rPr lang="sv-SE" dirty="0"/>
+              <a:t> --</a:t>
+            </a:r>
+            <a:r>
+              <a:rPr lang="sv-SE" dirty="0" err="1"/>
+              <a:t>coverage</a:t>
             </a:r>
             <a:endParaRPr lang="sv-SE" dirty="0"/>
           </a:p>
@@ -5617,6 +5773,18 @@
             <a:r>
               <a:rPr lang="sv-SE" dirty="0"/>
               <a:t>Testerna fungerar som förståelse/krav/dokumentation för kod</a:t>
+            </a:r>
+          </a:p>
+          <a:p>
+            <a:r>
+              <a:rPr lang="sv-SE" dirty="0"/>
+              <a:t>Tester är också kod</a:t>
+            </a:r>
+          </a:p>
+          <a:p>
+            <a:r>
+              <a:rPr lang="sv-SE" dirty="0"/>
+              <a:t>Tester kräver övning</a:t>
             </a:r>
           </a:p>
           <a:p>

--- a/Testning.pptx
+++ b/Testning.pptx
@@ -2,10 +2,10 @@
 <file path=ppt/presentation.xml><?xml version="1.0" encoding="utf-8"?>
 <p:presentation xmlns:a="http://schemas.openxmlformats.org/drawingml/2006/main" xmlns:r="http://schemas.openxmlformats.org/officeDocument/2006/relationships" xmlns:p="http://schemas.openxmlformats.org/presentationml/2006/main" saveSubsetFonts="1">
   <p:sldMasterIdLst>
-    <p:sldMasterId id="2147483648" r:id="rId1"/>
+    <p:sldMasterId id="2147483660" r:id="rId1"/>
   </p:sldMasterIdLst>
   <p:notesMasterIdLst>
-    <p:notesMasterId r:id="rId13"/>
+    <p:notesMasterId r:id="rId17"/>
   </p:notesMasterIdLst>
   <p:sldIdLst>
     <p:sldId id="256" r:id="rId2"/>
@@ -19,6 +19,10 @@
     <p:sldId id="263" r:id="rId10"/>
     <p:sldId id="265" r:id="rId11"/>
     <p:sldId id="266" r:id="rId12"/>
+    <p:sldId id="268" r:id="rId13"/>
+    <p:sldId id="270" r:id="rId14"/>
+    <p:sldId id="267" r:id="rId15"/>
+    <p:sldId id="269" r:id="rId16"/>
   </p:sldIdLst>
   <p:sldSz cx="12192000" cy="6858000"/>
   <p:notesSz cx="6858000" cy="9144000"/>
@@ -940,6 +944,277 @@
 </p:notes>
 </file>
 
+<file path=ppt/notesSlides/notesSlide4.xml><?xml version="1.0" encoding="utf-8"?>
+<p:notes xmlns:a="http://schemas.openxmlformats.org/drawingml/2006/main" xmlns:r="http://schemas.openxmlformats.org/officeDocument/2006/relationships" xmlns:p="http://schemas.openxmlformats.org/presentationml/2006/main">
+  <p:cSld>
+    <p:spTree>
+      <p:nvGrpSpPr>
+        <p:cNvPr id="1" name=""/>
+        <p:cNvGrpSpPr/>
+        <p:nvPr/>
+      </p:nvGrpSpPr>
+      <p:grpSpPr>
+        <a:xfrm>
+          <a:off x="0" y="0"/>
+          <a:ext cx="0" cy="0"/>
+          <a:chOff x="0" y="0"/>
+          <a:chExt cx="0" cy="0"/>
+        </a:xfrm>
+      </p:grpSpPr>
+      <p:sp>
+        <p:nvSpPr>
+          <p:cNvPr id="2" name="Slide Image Placeholder 1"/>
+          <p:cNvSpPr>
+            <a:spLocks noGrp="1" noRot="1" noChangeAspect="1"/>
+          </p:cNvSpPr>
+          <p:nvPr>
+            <p:ph type="sldImg"/>
+          </p:nvPr>
+        </p:nvSpPr>
+        <p:spPr/>
+      </p:sp>
+      <p:sp>
+        <p:nvSpPr>
+          <p:cNvPr id="3" name="Notes Placeholder 2"/>
+          <p:cNvSpPr>
+            <a:spLocks noGrp="1"/>
+          </p:cNvSpPr>
+          <p:nvPr>
+            <p:ph type="body" idx="1"/>
+          </p:nvPr>
+        </p:nvSpPr>
+        <p:spPr/>
+        <p:txBody>
+          <a:bodyPr/>
+          <a:lstStyle/>
+          <a:p>
+            <a:r>
+              <a:rPr lang="sv-SE" dirty="0"/>
+              <a:t>Oftast har man inte så goda förutsättningar…</a:t>
+            </a:r>
+          </a:p>
+          <a:p>
+            <a:endParaRPr lang="sv-SE" dirty="0"/>
+          </a:p>
+          <a:p>
+            <a:endParaRPr lang="sv-SE" dirty="0"/>
+          </a:p>
+          <a:p>
+            <a:endParaRPr lang="sv-SE" dirty="0"/>
+          </a:p>
+          <a:p>
+            <a:endParaRPr lang="LID4096" dirty="0"/>
+          </a:p>
+        </p:txBody>
+      </p:sp>
+      <p:sp>
+        <p:nvSpPr>
+          <p:cNvPr id="4" name="Slide Number Placeholder 3"/>
+          <p:cNvSpPr>
+            <a:spLocks noGrp="1"/>
+          </p:cNvSpPr>
+          <p:nvPr>
+            <p:ph type="sldNum" sz="quarter" idx="5"/>
+          </p:nvPr>
+        </p:nvSpPr>
+        <p:spPr/>
+        <p:txBody>
+          <a:bodyPr/>
+          <a:lstStyle/>
+          <a:p>
+            <a:fld id="{99C79E7B-F53A-41AF-A46B-11FA12D0B24A}" type="slidenum">
+              <a:rPr lang="LID4096" smtClean="0"/>
+              <a:t>12</a:t>
+            </a:fld>
+            <a:endParaRPr lang="LID4096"/>
+          </a:p>
+        </p:txBody>
+      </p:sp>
+    </p:spTree>
+    <p:extLst>
+      <p:ext uri="{BB962C8B-B14F-4D97-AF65-F5344CB8AC3E}">
+        <p14:creationId xmlns:p14="http://schemas.microsoft.com/office/powerpoint/2010/main" val="3270624479"/>
+      </p:ext>
+    </p:extLst>
+  </p:cSld>
+  <p:clrMapOvr>
+    <a:masterClrMapping/>
+  </p:clrMapOvr>
+</p:notes>
+</file>
+
+<file path=ppt/notesSlides/notesSlide5.xml><?xml version="1.0" encoding="utf-8"?>
+<p:notes xmlns:a="http://schemas.openxmlformats.org/drawingml/2006/main" xmlns:r="http://schemas.openxmlformats.org/officeDocument/2006/relationships" xmlns:p="http://schemas.openxmlformats.org/presentationml/2006/main">
+  <p:cSld>
+    <p:spTree>
+      <p:nvGrpSpPr>
+        <p:cNvPr id="1" name=""/>
+        <p:cNvGrpSpPr/>
+        <p:nvPr/>
+      </p:nvGrpSpPr>
+      <p:grpSpPr>
+        <a:xfrm>
+          <a:off x="0" y="0"/>
+          <a:ext cx="0" cy="0"/>
+          <a:chOff x="0" y="0"/>
+          <a:chExt cx="0" cy="0"/>
+        </a:xfrm>
+      </p:grpSpPr>
+      <p:sp>
+        <p:nvSpPr>
+          <p:cNvPr id="2" name="Slide Image Placeholder 1"/>
+          <p:cNvSpPr>
+            <a:spLocks noGrp="1" noRot="1" noChangeAspect="1"/>
+          </p:cNvSpPr>
+          <p:nvPr>
+            <p:ph type="sldImg"/>
+          </p:nvPr>
+        </p:nvSpPr>
+        <p:spPr/>
+      </p:sp>
+      <p:sp>
+        <p:nvSpPr>
+          <p:cNvPr id="3" name="Notes Placeholder 2"/>
+          <p:cNvSpPr>
+            <a:spLocks noGrp="1"/>
+          </p:cNvSpPr>
+          <p:nvPr>
+            <p:ph type="body" idx="1"/>
+          </p:nvPr>
+        </p:nvSpPr>
+        <p:spPr/>
+        <p:txBody>
+          <a:bodyPr/>
+          <a:lstStyle/>
+          <a:p>
+            <a:endParaRPr lang="LID4096" dirty="0"/>
+          </a:p>
+        </p:txBody>
+      </p:sp>
+      <p:sp>
+        <p:nvSpPr>
+          <p:cNvPr id="4" name="Slide Number Placeholder 3"/>
+          <p:cNvSpPr>
+            <a:spLocks noGrp="1"/>
+          </p:cNvSpPr>
+          <p:nvPr>
+            <p:ph type="sldNum" sz="quarter" idx="5"/>
+          </p:nvPr>
+        </p:nvSpPr>
+        <p:spPr/>
+        <p:txBody>
+          <a:bodyPr/>
+          <a:lstStyle/>
+          <a:p>
+            <a:fld id="{99C79E7B-F53A-41AF-A46B-11FA12D0B24A}" type="slidenum">
+              <a:rPr lang="LID4096" smtClean="0"/>
+              <a:t>13</a:t>
+            </a:fld>
+            <a:endParaRPr lang="LID4096"/>
+          </a:p>
+        </p:txBody>
+      </p:sp>
+    </p:spTree>
+    <p:extLst>
+      <p:ext uri="{BB962C8B-B14F-4D97-AF65-F5344CB8AC3E}">
+        <p14:creationId xmlns:p14="http://schemas.microsoft.com/office/powerpoint/2010/main" val="1308068247"/>
+      </p:ext>
+    </p:extLst>
+  </p:cSld>
+  <p:clrMapOvr>
+    <a:masterClrMapping/>
+  </p:clrMapOvr>
+</p:notes>
+</file>
+
+<file path=ppt/notesSlides/notesSlide6.xml><?xml version="1.0" encoding="utf-8"?>
+<p:notes xmlns:a="http://schemas.openxmlformats.org/drawingml/2006/main" xmlns:r="http://schemas.openxmlformats.org/officeDocument/2006/relationships" xmlns:p="http://schemas.openxmlformats.org/presentationml/2006/main">
+  <p:cSld>
+    <p:spTree>
+      <p:nvGrpSpPr>
+        <p:cNvPr id="1" name=""/>
+        <p:cNvGrpSpPr/>
+        <p:nvPr/>
+      </p:nvGrpSpPr>
+      <p:grpSpPr>
+        <a:xfrm>
+          <a:off x="0" y="0"/>
+          <a:ext cx="0" cy="0"/>
+          <a:chOff x="0" y="0"/>
+          <a:chExt cx="0" cy="0"/>
+        </a:xfrm>
+      </p:grpSpPr>
+      <p:sp>
+        <p:nvSpPr>
+          <p:cNvPr id="2" name="Slide Image Placeholder 1"/>
+          <p:cNvSpPr>
+            <a:spLocks noGrp="1" noRot="1" noChangeAspect="1"/>
+          </p:cNvSpPr>
+          <p:nvPr>
+            <p:ph type="sldImg"/>
+          </p:nvPr>
+        </p:nvSpPr>
+        <p:spPr/>
+      </p:sp>
+      <p:sp>
+        <p:nvSpPr>
+          <p:cNvPr id="3" name="Notes Placeholder 2"/>
+          <p:cNvSpPr>
+            <a:spLocks noGrp="1"/>
+          </p:cNvSpPr>
+          <p:nvPr>
+            <p:ph type="body" idx="1"/>
+          </p:nvPr>
+        </p:nvSpPr>
+        <p:spPr/>
+        <p:txBody>
+          <a:bodyPr/>
+          <a:lstStyle/>
+          <a:p>
+            <a:r>
+              <a:rPr lang="sv-SE" dirty="0"/>
+              <a:t>Innan vi tar steget till integrationstester så</a:t>
+            </a:r>
+            <a:endParaRPr lang="LID4096" dirty="0"/>
+          </a:p>
+        </p:txBody>
+      </p:sp>
+      <p:sp>
+        <p:nvSpPr>
+          <p:cNvPr id="4" name="Slide Number Placeholder 3"/>
+          <p:cNvSpPr>
+            <a:spLocks noGrp="1"/>
+          </p:cNvSpPr>
+          <p:nvPr>
+            <p:ph type="sldNum" sz="quarter" idx="5"/>
+          </p:nvPr>
+        </p:nvSpPr>
+        <p:spPr/>
+        <p:txBody>
+          <a:bodyPr/>
+          <a:lstStyle/>
+          <a:p>
+            <a:fld id="{99C79E7B-F53A-41AF-A46B-11FA12D0B24A}" type="slidenum">
+              <a:rPr lang="LID4096" smtClean="0"/>
+              <a:t>14</a:t>
+            </a:fld>
+            <a:endParaRPr lang="LID4096"/>
+          </a:p>
+        </p:txBody>
+      </p:sp>
+    </p:spTree>
+    <p:extLst>
+      <p:ext uri="{BB962C8B-B14F-4D97-AF65-F5344CB8AC3E}">
+        <p14:creationId xmlns:p14="http://schemas.microsoft.com/office/powerpoint/2010/main" val="2322044681"/>
+      </p:ext>
+    </p:extLst>
+  </p:cSld>
+  <p:clrMapOvr>
+    <a:masterClrMapping/>
+  </p:clrMapOvr>
+</p:notes>
+</file>
+
 <file path=ppt/slideLayouts/slideLayout1.xml><?xml version="1.0" encoding="utf-8"?>
 <p:sldLayout xmlns:a="http://schemas.openxmlformats.org/drawingml/2006/main" xmlns:r="http://schemas.openxmlformats.org/officeDocument/2006/relationships" xmlns:p="http://schemas.openxmlformats.org/presentationml/2006/main" type="title" preserve="1">
   <p:cSld name="Title Slide">
@@ -962,7 +1237,7 @@
           <p:cNvPr id="2" name="Title 1">
             <a:extLst>
               <a:ext uri="{FF2B5EF4-FFF2-40B4-BE49-F238E27FC236}">
-                <a16:creationId xmlns:a16="http://schemas.microsoft.com/office/drawing/2014/main" id="{D28BC8C3-7825-3CC3-39EC-1EDE917162B4}"/>
+                <a16:creationId xmlns:a16="http://schemas.microsoft.com/office/drawing/2014/main" id="{E28CCC0C-7407-6F85-73C9-CB2489EA1740}"/>
               </a:ext>
             </a:extLst>
           </p:cNvPr>
@@ -1000,7 +1275,7 @@
           <p:cNvPr id="3" name="Subtitle 2">
             <a:extLst>
               <a:ext uri="{FF2B5EF4-FFF2-40B4-BE49-F238E27FC236}">
-                <a16:creationId xmlns:a16="http://schemas.microsoft.com/office/drawing/2014/main" id="{E184ADE9-7E5D-0891-7374-68A06DE0D6B1}"/>
+                <a16:creationId xmlns:a16="http://schemas.microsoft.com/office/drawing/2014/main" id="{16F0F755-1A32-790B-12DD-B3721F8E26EA}"/>
               </a:ext>
             </a:extLst>
           </p:cNvPr>
@@ -1071,7 +1346,7 @@
           <p:cNvPr id="4" name="Date Placeholder 3">
             <a:extLst>
               <a:ext uri="{FF2B5EF4-FFF2-40B4-BE49-F238E27FC236}">
-                <a16:creationId xmlns:a16="http://schemas.microsoft.com/office/drawing/2014/main" id="{9D09A495-BD07-CA85-1340-12F5840A0155}"/>
+                <a16:creationId xmlns:a16="http://schemas.microsoft.com/office/drawing/2014/main" id="{5824CC46-EC66-0C07-4D41-2A24CA1107B8}"/>
               </a:ext>
             </a:extLst>
           </p:cNvPr>
@@ -1100,7 +1375,7 @@
           <p:cNvPr id="5" name="Footer Placeholder 4">
             <a:extLst>
               <a:ext uri="{FF2B5EF4-FFF2-40B4-BE49-F238E27FC236}">
-                <a16:creationId xmlns:a16="http://schemas.microsoft.com/office/drawing/2014/main" id="{B3B249FC-3F2E-D83F-DC3D-460EAB8E732A}"/>
+                <a16:creationId xmlns:a16="http://schemas.microsoft.com/office/drawing/2014/main" id="{3F5106A9-EAA0-F83B-4B1D-1DFA952DDA75}"/>
               </a:ext>
             </a:extLst>
           </p:cNvPr>
@@ -1125,7 +1400,7 @@
           <p:cNvPr id="6" name="Slide Number Placeholder 5">
             <a:extLst>
               <a:ext uri="{FF2B5EF4-FFF2-40B4-BE49-F238E27FC236}">
-                <a16:creationId xmlns:a16="http://schemas.microsoft.com/office/drawing/2014/main" id="{7833EB7C-6AAD-C912-30CF-30335935464B}"/>
+                <a16:creationId xmlns:a16="http://schemas.microsoft.com/office/drawing/2014/main" id="{3DA235A0-4354-A14D-F9E0-6AABB9522F23}"/>
               </a:ext>
             </a:extLst>
           </p:cNvPr>
@@ -1152,7 +1427,7 @@
     </p:spTree>
     <p:extLst>
       <p:ext uri="{BB962C8B-B14F-4D97-AF65-F5344CB8AC3E}">
-        <p14:creationId xmlns:p14="http://schemas.microsoft.com/office/powerpoint/2010/main" val="2055334793"/>
+        <p14:creationId xmlns:p14="http://schemas.microsoft.com/office/powerpoint/2010/main" val="4176793766"/>
       </p:ext>
     </p:extLst>
   </p:cSld>
@@ -1184,7 +1459,7 @@
           <p:cNvPr id="2" name="Title 1">
             <a:extLst>
               <a:ext uri="{FF2B5EF4-FFF2-40B4-BE49-F238E27FC236}">
-                <a16:creationId xmlns:a16="http://schemas.microsoft.com/office/drawing/2014/main" id="{3DF19353-7694-BEC9-9005-E5DA9DD64BD7}"/>
+                <a16:creationId xmlns:a16="http://schemas.microsoft.com/office/drawing/2014/main" id="{6B118748-6C28-1D12-A554-499A2C1A1B14}"/>
               </a:ext>
             </a:extLst>
           </p:cNvPr>
@@ -1213,7 +1488,7 @@
           <p:cNvPr id="3" name="Vertical Text Placeholder 2">
             <a:extLst>
               <a:ext uri="{FF2B5EF4-FFF2-40B4-BE49-F238E27FC236}">
-                <a16:creationId xmlns:a16="http://schemas.microsoft.com/office/drawing/2014/main" id="{7B6E4019-9D8F-80A1-63D6-92488C47CC14}"/>
+                <a16:creationId xmlns:a16="http://schemas.microsoft.com/office/drawing/2014/main" id="{38C46F86-C53D-CD22-FF09-905A033AC2F8}"/>
               </a:ext>
             </a:extLst>
           </p:cNvPr>
@@ -1271,7 +1546,7 @@
           <p:cNvPr id="4" name="Date Placeholder 3">
             <a:extLst>
               <a:ext uri="{FF2B5EF4-FFF2-40B4-BE49-F238E27FC236}">
-                <a16:creationId xmlns:a16="http://schemas.microsoft.com/office/drawing/2014/main" id="{D2BA241D-1A9A-0A06-D532-7C024775091F}"/>
+                <a16:creationId xmlns:a16="http://schemas.microsoft.com/office/drawing/2014/main" id="{817288E1-5A9F-B3A8-2B27-E5A86DE0E9AD}"/>
               </a:ext>
             </a:extLst>
           </p:cNvPr>
@@ -1300,7 +1575,7 @@
           <p:cNvPr id="5" name="Footer Placeholder 4">
             <a:extLst>
               <a:ext uri="{FF2B5EF4-FFF2-40B4-BE49-F238E27FC236}">
-                <a16:creationId xmlns:a16="http://schemas.microsoft.com/office/drawing/2014/main" id="{CB733C0F-1867-CC5A-E24D-C7A6180AFCA5}"/>
+                <a16:creationId xmlns:a16="http://schemas.microsoft.com/office/drawing/2014/main" id="{147189BE-6E26-C7FE-685A-A587672C8088}"/>
               </a:ext>
             </a:extLst>
           </p:cNvPr>
@@ -1325,7 +1600,7 @@
           <p:cNvPr id="6" name="Slide Number Placeholder 5">
             <a:extLst>
               <a:ext uri="{FF2B5EF4-FFF2-40B4-BE49-F238E27FC236}">
-                <a16:creationId xmlns:a16="http://schemas.microsoft.com/office/drawing/2014/main" id="{DD8AAC65-A46E-CA66-DE43-D3F040337C3D}"/>
+                <a16:creationId xmlns:a16="http://schemas.microsoft.com/office/drawing/2014/main" id="{EE63B9F5-9C00-7911-D5C2-0554EB201424}"/>
               </a:ext>
             </a:extLst>
           </p:cNvPr>
@@ -1352,7 +1627,7 @@
     </p:spTree>
     <p:extLst>
       <p:ext uri="{BB962C8B-B14F-4D97-AF65-F5344CB8AC3E}">
-        <p14:creationId xmlns:p14="http://schemas.microsoft.com/office/powerpoint/2010/main" val="436011933"/>
+        <p14:creationId xmlns:p14="http://schemas.microsoft.com/office/powerpoint/2010/main" val="1726469873"/>
       </p:ext>
     </p:extLst>
   </p:cSld>
@@ -1384,7 +1659,7 @@
           <p:cNvPr id="2" name="Vertical Title 1">
             <a:extLst>
               <a:ext uri="{FF2B5EF4-FFF2-40B4-BE49-F238E27FC236}">
-                <a16:creationId xmlns:a16="http://schemas.microsoft.com/office/drawing/2014/main" id="{B690B4ED-F2C4-B603-794C-633340E2D0CB}"/>
+                <a16:creationId xmlns:a16="http://schemas.microsoft.com/office/drawing/2014/main" id="{AD1865C8-D998-FAA5-E67D-83CD381FBEBB}"/>
               </a:ext>
             </a:extLst>
           </p:cNvPr>
@@ -1418,7 +1693,7 @@
           <p:cNvPr id="3" name="Vertical Text Placeholder 2">
             <a:extLst>
               <a:ext uri="{FF2B5EF4-FFF2-40B4-BE49-F238E27FC236}">
-                <a16:creationId xmlns:a16="http://schemas.microsoft.com/office/drawing/2014/main" id="{DE51DF66-51E8-528A-A6F8-6898ED443D60}"/>
+                <a16:creationId xmlns:a16="http://schemas.microsoft.com/office/drawing/2014/main" id="{F19EAF25-171E-CE33-CD09-81A7BD2070D5}"/>
               </a:ext>
             </a:extLst>
           </p:cNvPr>
@@ -1481,7 +1756,7 @@
           <p:cNvPr id="4" name="Date Placeholder 3">
             <a:extLst>
               <a:ext uri="{FF2B5EF4-FFF2-40B4-BE49-F238E27FC236}">
-                <a16:creationId xmlns:a16="http://schemas.microsoft.com/office/drawing/2014/main" id="{AB931D1A-5FE2-0473-4DFE-05CFAC969DFE}"/>
+                <a16:creationId xmlns:a16="http://schemas.microsoft.com/office/drawing/2014/main" id="{099EFED9-9538-B862-1645-4B2A8856BA3D}"/>
               </a:ext>
             </a:extLst>
           </p:cNvPr>
@@ -1510,7 +1785,7 @@
           <p:cNvPr id="5" name="Footer Placeholder 4">
             <a:extLst>
               <a:ext uri="{FF2B5EF4-FFF2-40B4-BE49-F238E27FC236}">
-                <a16:creationId xmlns:a16="http://schemas.microsoft.com/office/drawing/2014/main" id="{63291B1B-1BA1-83AE-ACFF-18B2824CAFAE}"/>
+                <a16:creationId xmlns:a16="http://schemas.microsoft.com/office/drawing/2014/main" id="{2CFC5F47-BC28-A87F-4027-AC298EB2D05D}"/>
               </a:ext>
             </a:extLst>
           </p:cNvPr>
@@ -1535,7 +1810,7 @@
           <p:cNvPr id="6" name="Slide Number Placeholder 5">
             <a:extLst>
               <a:ext uri="{FF2B5EF4-FFF2-40B4-BE49-F238E27FC236}">
-                <a16:creationId xmlns:a16="http://schemas.microsoft.com/office/drawing/2014/main" id="{C622933B-FD5B-3FDD-437E-4C47F7455C03}"/>
+                <a16:creationId xmlns:a16="http://schemas.microsoft.com/office/drawing/2014/main" id="{9C63CBED-7805-A8B7-DEF6-D1438A422C11}"/>
               </a:ext>
             </a:extLst>
           </p:cNvPr>
@@ -1562,7 +1837,7 @@
     </p:spTree>
     <p:extLst>
       <p:ext uri="{BB962C8B-B14F-4D97-AF65-F5344CB8AC3E}">
-        <p14:creationId xmlns:p14="http://schemas.microsoft.com/office/powerpoint/2010/main" val="707237628"/>
+        <p14:creationId xmlns:p14="http://schemas.microsoft.com/office/powerpoint/2010/main" val="3863330934"/>
       </p:ext>
     </p:extLst>
   </p:cSld>
@@ -1594,7 +1869,7 @@
           <p:cNvPr id="2" name="Title 1">
             <a:extLst>
               <a:ext uri="{FF2B5EF4-FFF2-40B4-BE49-F238E27FC236}">
-                <a16:creationId xmlns:a16="http://schemas.microsoft.com/office/drawing/2014/main" id="{AE76D0CF-89AA-2624-E354-EC768B4EEA18}"/>
+                <a16:creationId xmlns:a16="http://schemas.microsoft.com/office/drawing/2014/main" id="{1BACF4E6-5E23-A7DA-2D81-3B5DDC4CAD07}"/>
               </a:ext>
             </a:extLst>
           </p:cNvPr>
@@ -1623,7 +1898,7 @@
           <p:cNvPr id="3" name="Content Placeholder 2">
             <a:extLst>
               <a:ext uri="{FF2B5EF4-FFF2-40B4-BE49-F238E27FC236}">
-                <a16:creationId xmlns:a16="http://schemas.microsoft.com/office/drawing/2014/main" id="{86FE3497-4E74-023E-8834-10023258563C}"/>
+                <a16:creationId xmlns:a16="http://schemas.microsoft.com/office/drawing/2014/main" id="{63825C3C-3655-AE19-4F77-2BAAA8EEB0FE}"/>
               </a:ext>
             </a:extLst>
           </p:cNvPr>
@@ -1681,7 +1956,7 @@
           <p:cNvPr id="4" name="Date Placeholder 3">
             <a:extLst>
               <a:ext uri="{FF2B5EF4-FFF2-40B4-BE49-F238E27FC236}">
-                <a16:creationId xmlns:a16="http://schemas.microsoft.com/office/drawing/2014/main" id="{9BE3C8AA-025E-F607-6148-A8087D00AF43}"/>
+                <a16:creationId xmlns:a16="http://schemas.microsoft.com/office/drawing/2014/main" id="{3872D812-D077-C50A-0E25-FC57CB4F0835}"/>
               </a:ext>
             </a:extLst>
           </p:cNvPr>
@@ -1710,7 +1985,7 @@
           <p:cNvPr id="5" name="Footer Placeholder 4">
             <a:extLst>
               <a:ext uri="{FF2B5EF4-FFF2-40B4-BE49-F238E27FC236}">
-                <a16:creationId xmlns:a16="http://schemas.microsoft.com/office/drawing/2014/main" id="{878E82AB-5EC9-FF9C-15F0-89A5DB87CBF7}"/>
+                <a16:creationId xmlns:a16="http://schemas.microsoft.com/office/drawing/2014/main" id="{E410809D-31C8-BD89-DEDF-08A53253BB6E}"/>
               </a:ext>
             </a:extLst>
           </p:cNvPr>
@@ -1735,7 +2010,7 @@
           <p:cNvPr id="6" name="Slide Number Placeholder 5">
             <a:extLst>
               <a:ext uri="{FF2B5EF4-FFF2-40B4-BE49-F238E27FC236}">
-                <a16:creationId xmlns:a16="http://schemas.microsoft.com/office/drawing/2014/main" id="{516FCB0B-9158-3B4B-550B-D1EE9EF3AA82}"/>
+                <a16:creationId xmlns:a16="http://schemas.microsoft.com/office/drawing/2014/main" id="{C8CDCF73-2AD7-3BF4-3DDE-2C75620A8FA3}"/>
               </a:ext>
             </a:extLst>
           </p:cNvPr>
@@ -1762,7 +2037,7 @@
     </p:spTree>
     <p:extLst>
       <p:ext uri="{BB962C8B-B14F-4D97-AF65-F5344CB8AC3E}">
-        <p14:creationId xmlns:p14="http://schemas.microsoft.com/office/powerpoint/2010/main" val="2233027082"/>
+        <p14:creationId xmlns:p14="http://schemas.microsoft.com/office/powerpoint/2010/main" val="2756163189"/>
       </p:ext>
     </p:extLst>
   </p:cSld>
@@ -1794,7 +2069,7 @@
           <p:cNvPr id="2" name="Title 1">
             <a:extLst>
               <a:ext uri="{FF2B5EF4-FFF2-40B4-BE49-F238E27FC236}">
-                <a16:creationId xmlns:a16="http://schemas.microsoft.com/office/drawing/2014/main" id="{DAAC01B4-710D-FA6F-B5B5-356040B18632}"/>
+                <a16:creationId xmlns:a16="http://schemas.microsoft.com/office/drawing/2014/main" id="{2EFCB1D9-11DD-1F58-F022-18FD0EF870C3}"/>
               </a:ext>
             </a:extLst>
           </p:cNvPr>
@@ -1832,7 +2107,7 @@
           <p:cNvPr id="3" name="Text Placeholder 2">
             <a:extLst>
               <a:ext uri="{FF2B5EF4-FFF2-40B4-BE49-F238E27FC236}">
-                <a16:creationId xmlns:a16="http://schemas.microsoft.com/office/drawing/2014/main" id="{9AA97F57-8DE4-4C7D-178E-BF706EC5AD9C}"/>
+                <a16:creationId xmlns:a16="http://schemas.microsoft.com/office/drawing/2014/main" id="{C103B107-89F1-1D10-FBDB-CACE469CDEE6}"/>
               </a:ext>
             </a:extLst>
           </p:cNvPr>
@@ -1957,7 +2232,7 @@
           <p:cNvPr id="4" name="Date Placeholder 3">
             <a:extLst>
               <a:ext uri="{FF2B5EF4-FFF2-40B4-BE49-F238E27FC236}">
-                <a16:creationId xmlns:a16="http://schemas.microsoft.com/office/drawing/2014/main" id="{2955190E-E5C8-081E-7F4F-D4AAD00ADCBC}"/>
+                <a16:creationId xmlns:a16="http://schemas.microsoft.com/office/drawing/2014/main" id="{64487449-E93F-1D7F-5AAA-EF272FDA0F22}"/>
               </a:ext>
             </a:extLst>
           </p:cNvPr>
@@ -1986,7 +2261,7 @@
           <p:cNvPr id="5" name="Footer Placeholder 4">
             <a:extLst>
               <a:ext uri="{FF2B5EF4-FFF2-40B4-BE49-F238E27FC236}">
-                <a16:creationId xmlns:a16="http://schemas.microsoft.com/office/drawing/2014/main" id="{04A8B000-4B39-21FA-AF8B-9E42247CF2FE}"/>
+                <a16:creationId xmlns:a16="http://schemas.microsoft.com/office/drawing/2014/main" id="{7D52FFDA-C4A4-54A1-B73E-AB3FDDECB8EB}"/>
               </a:ext>
             </a:extLst>
           </p:cNvPr>
@@ -2011,7 +2286,7 @@
           <p:cNvPr id="6" name="Slide Number Placeholder 5">
             <a:extLst>
               <a:ext uri="{FF2B5EF4-FFF2-40B4-BE49-F238E27FC236}">
-                <a16:creationId xmlns:a16="http://schemas.microsoft.com/office/drawing/2014/main" id="{D8B617F2-91BD-B194-D3E1-B0671F628A73}"/>
+                <a16:creationId xmlns:a16="http://schemas.microsoft.com/office/drawing/2014/main" id="{C0541C04-5036-BFA8-60B8-F3960524047A}"/>
               </a:ext>
             </a:extLst>
           </p:cNvPr>
@@ -2038,7 +2313,7 @@
     </p:spTree>
     <p:extLst>
       <p:ext uri="{BB962C8B-B14F-4D97-AF65-F5344CB8AC3E}">
-        <p14:creationId xmlns:p14="http://schemas.microsoft.com/office/powerpoint/2010/main" val="2845891380"/>
+        <p14:creationId xmlns:p14="http://schemas.microsoft.com/office/powerpoint/2010/main" val="1580160554"/>
       </p:ext>
     </p:extLst>
   </p:cSld>
@@ -2070,7 +2345,7 @@
           <p:cNvPr id="2" name="Title 1">
             <a:extLst>
               <a:ext uri="{FF2B5EF4-FFF2-40B4-BE49-F238E27FC236}">
-                <a16:creationId xmlns:a16="http://schemas.microsoft.com/office/drawing/2014/main" id="{F587B3A6-7BC8-64B2-AFE9-04F6072883D8}"/>
+                <a16:creationId xmlns:a16="http://schemas.microsoft.com/office/drawing/2014/main" id="{E8108775-4E3D-9039-A3DB-A1410F00B238}"/>
               </a:ext>
             </a:extLst>
           </p:cNvPr>
@@ -2099,7 +2374,7 @@
           <p:cNvPr id="3" name="Content Placeholder 2">
             <a:extLst>
               <a:ext uri="{FF2B5EF4-FFF2-40B4-BE49-F238E27FC236}">
-                <a16:creationId xmlns:a16="http://schemas.microsoft.com/office/drawing/2014/main" id="{16F5F5E0-551D-46F6-D599-3356B9BC7B05}"/>
+                <a16:creationId xmlns:a16="http://schemas.microsoft.com/office/drawing/2014/main" id="{97236D3C-D019-41FA-8594-23B381787358}"/>
               </a:ext>
             </a:extLst>
           </p:cNvPr>
@@ -2162,7 +2437,7 @@
           <p:cNvPr id="4" name="Content Placeholder 3">
             <a:extLst>
               <a:ext uri="{FF2B5EF4-FFF2-40B4-BE49-F238E27FC236}">
-                <a16:creationId xmlns:a16="http://schemas.microsoft.com/office/drawing/2014/main" id="{FA1C83B5-C9A6-7512-CFAD-E1F29069707C}"/>
+                <a16:creationId xmlns:a16="http://schemas.microsoft.com/office/drawing/2014/main" id="{172ACDAC-ABA3-063D-D970-BB93BC485CC6}"/>
               </a:ext>
             </a:extLst>
           </p:cNvPr>
@@ -2225,7 +2500,7 @@
           <p:cNvPr id="5" name="Date Placeholder 4">
             <a:extLst>
               <a:ext uri="{FF2B5EF4-FFF2-40B4-BE49-F238E27FC236}">
-                <a16:creationId xmlns:a16="http://schemas.microsoft.com/office/drawing/2014/main" id="{C0734353-D07F-317C-7513-3ED1D1AC3F63}"/>
+                <a16:creationId xmlns:a16="http://schemas.microsoft.com/office/drawing/2014/main" id="{8EF44579-6589-1984-6008-876A887EA732}"/>
               </a:ext>
             </a:extLst>
           </p:cNvPr>
@@ -2254,7 +2529,7 @@
           <p:cNvPr id="6" name="Footer Placeholder 5">
             <a:extLst>
               <a:ext uri="{FF2B5EF4-FFF2-40B4-BE49-F238E27FC236}">
-                <a16:creationId xmlns:a16="http://schemas.microsoft.com/office/drawing/2014/main" id="{96EF1B46-01ED-F022-E3D3-27DA12EF5241}"/>
+                <a16:creationId xmlns:a16="http://schemas.microsoft.com/office/drawing/2014/main" id="{C1907985-8D2F-E77F-B8D1-318C8753E1C1}"/>
               </a:ext>
             </a:extLst>
           </p:cNvPr>
@@ -2279,7 +2554,7 @@
           <p:cNvPr id="7" name="Slide Number Placeholder 6">
             <a:extLst>
               <a:ext uri="{FF2B5EF4-FFF2-40B4-BE49-F238E27FC236}">
-                <a16:creationId xmlns:a16="http://schemas.microsoft.com/office/drawing/2014/main" id="{89B032C2-4C7C-8589-094E-4DF9E701D090}"/>
+                <a16:creationId xmlns:a16="http://schemas.microsoft.com/office/drawing/2014/main" id="{4115BEF8-E1A3-68BD-A331-D188B4C49E32}"/>
               </a:ext>
             </a:extLst>
           </p:cNvPr>
@@ -2306,7 +2581,7 @@
     </p:spTree>
     <p:extLst>
       <p:ext uri="{BB962C8B-B14F-4D97-AF65-F5344CB8AC3E}">
-        <p14:creationId xmlns:p14="http://schemas.microsoft.com/office/powerpoint/2010/main" val="166920165"/>
+        <p14:creationId xmlns:p14="http://schemas.microsoft.com/office/powerpoint/2010/main" val="323020405"/>
       </p:ext>
     </p:extLst>
   </p:cSld>
@@ -2338,7 +2613,7 @@
           <p:cNvPr id="2" name="Title 1">
             <a:extLst>
               <a:ext uri="{FF2B5EF4-FFF2-40B4-BE49-F238E27FC236}">
-                <a16:creationId xmlns:a16="http://schemas.microsoft.com/office/drawing/2014/main" id="{4FF9EDFE-2FB9-A036-325C-66DFA6F1F9DD}"/>
+                <a16:creationId xmlns:a16="http://schemas.microsoft.com/office/drawing/2014/main" id="{7D2F5399-D649-1BED-936E-D3F7145D67EC}"/>
               </a:ext>
             </a:extLst>
           </p:cNvPr>
@@ -2372,7 +2647,7 @@
           <p:cNvPr id="3" name="Text Placeholder 2">
             <a:extLst>
               <a:ext uri="{FF2B5EF4-FFF2-40B4-BE49-F238E27FC236}">
-                <a16:creationId xmlns:a16="http://schemas.microsoft.com/office/drawing/2014/main" id="{00D95FB8-5011-B7E3-B389-E7176128B366}"/>
+                <a16:creationId xmlns:a16="http://schemas.microsoft.com/office/drawing/2014/main" id="{7E73362B-5938-48F8-8EBE-27DFE0A593C7}"/>
               </a:ext>
             </a:extLst>
           </p:cNvPr>
@@ -2443,7 +2718,7 @@
           <p:cNvPr id="4" name="Content Placeholder 3">
             <a:extLst>
               <a:ext uri="{FF2B5EF4-FFF2-40B4-BE49-F238E27FC236}">
-                <a16:creationId xmlns:a16="http://schemas.microsoft.com/office/drawing/2014/main" id="{6C4C5E0C-DF9F-F005-943D-3F3D651C201A}"/>
+                <a16:creationId xmlns:a16="http://schemas.microsoft.com/office/drawing/2014/main" id="{91164BD7-FCB5-9DF1-7A48-1B7AB780AFED}"/>
               </a:ext>
             </a:extLst>
           </p:cNvPr>
@@ -2506,7 +2781,7 @@
           <p:cNvPr id="5" name="Text Placeholder 4">
             <a:extLst>
               <a:ext uri="{FF2B5EF4-FFF2-40B4-BE49-F238E27FC236}">
-                <a16:creationId xmlns:a16="http://schemas.microsoft.com/office/drawing/2014/main" id="{CA9C08EE-9F9D-3537-FB49-315F69715F46}"/>
+                <a16:creationId xmlns:a16="http://schemas.microsoft.com/office/drawing/2014/main" id="{6B27568F-A410-6AA6-EDEE-9C3B4F459420}"/>
               </a:ext>
             </a:extLst>
           </p:cNvPr>
@@ -2577,7 +2852,7 @@
           <p:cNvPr id="6" name="Content Placeholder 5">
             <a:extLst>
               <a:ext uri="{FF2B5EF4-FFF2-40B4-BE49-F238E27FC236}">
-                <a16:creationId xmlns:a16="http://schemas.microsoft.com/office/drawing/2014/main" id="{4336A543-93C0-4173-2870-9A5116EF7FE6}"/>
+                <a16:creationId xmlns:a16="http://schemas.microsoft.com/office/drawing/2014/main" id="{40C1B88A-84CF-95E1-26BE-ED331C4AC8CD}"/>
               </a:ext>
             </a:extLst>
           </p:cNvPr>
@@ -2640,7 +2915,7 @@
           <p:cNvPr id="7" name="Date Placeholder 6">
             <a:extLst>
               <a:ext uri="{FF2B5EF4-FFF2-40B4-BE49-F238E27FC236}">
-                <a16:creationId xmlns:a16="http://schemas.microsoft.com/office/drawing/2014/main" id="{1CD91C31-EEC0-9751-1D0A-F14971393694}"/>
+                <a16:creationId xmlns:a16="http://schemas.microsoft.com/office/drawing/2014/main" id="{DA9C9C80-22B5-BF49-C985-6D9C526EC92D}"/>
               </a:ext>
             </a:extLst>
           </p:cNvPr>
@@ -2669,7 +2944,7 @@
           <p:cNvPr id="8" name="Footer Placeholder 7">
             <a:extLst>
               <a:ext uri="{FF2B5EF4-FFF2-40B4-BE49-F238E27FC236}">
-                <a16:creationId xmlns:a16="http://schemas.microsoft.com/office/drawing/2014/main" id="{8EC450CD-1418-0037-768D-D3C8388630FA}"/>
+                <a16:creationId xmlns:a16="http://schemas.microsoft.com/office/drawing/2014/main" id="{3E308AF9-DF00-C1A1-BB0B-F70EE5BDA57A}"/>
               </a:ext>
             </a:extLst>
           </p:cNvPr>
@@ -2694,7 +2969,7 @@
           <p:cNvPr id="9" name="Slide Number Placeholder 8">
             <a:extLst>
               <a:ext uri="{FF2B5EF4-FFF2-40B4-BE49-F238E27FC236}">
-                <a16:creationId xmlns:a16="http://schemas.microsoft.com/office/drawing/2014/main" id="{F8FDD88C-4C36-EABE-DEF2-64A2BEA90D5B}"/>
+                <a16:creationId xmlns:a16="http://schemas.microsoft.com/office/drawing/2014/main" id="{9651CF02-96BF-0E68-5B86-A3B5C4F95D86}"/>
               </a:ext>
             </a:extLst>
           </p:cNvPr>
@@ -2721,7 +2996,7 @@
     </p:spTree>
     <p:extLst>
       <p:ext uri="{BB962C8B-B14F-4D97-AF65-F5344CB8AC3E}">
-        <p14:creationId xmlns:p14="http://schemas.microsoft.com/office/powerpoint/2010/main" val="875746430"/>
+        <p14:creationId xmlns:p14="http://schemas.microsoft.com/office/powerpoint/2010/main" val="597255690"/>
       </p:ext>
     </p:extLst>
   </p:cSld>
@@ -2753,7 +3028,7 @@
           <p:cNvPr id="2" name="Title 1">
             <a:extLst>
               <a:ext uri="{FF2B5EF4-FFF2-40B4-BE49-F238E27FC236}">
-                <a16:creationId xmlns:a16="http://schemas.microsoft.com/office/drawing/2014/main" id="{D0C685D5-EC58-5B01-C087-E8ECABCE8342}"/>
+                <a16:creationId xmlns:a16="http://schemas.microsoft.com/office/drawing/2014/main" id="{8C18DAFC-CF7A-18CB-5005-02C04CF18F06}"/>
               </a:ext>
             </a:extLst>
           </p:cNvPr>
@@ -2782,7 +3057,7 @@
           <p:cNvPr id="3" name="Date Placeholder 2">
             <a:extLst>
               <a:ext uri="{FF2B5EF4-FFF2-40B4-BE49-F238E27FC236}">
-                <a16:creationId xmlns:a16="http://schemas.microsoft.com/office/drawing/2014/main" id="{1780A16D-FB55-65C6-FBC3-876F4A4F2223}"/>
+                <a16:creationId xmlns:a16="http://schemas.microsoft.com/office/drawing/2014/main" id="{A2BF058B-3297-2465-1AF9-581528EF33A2}"/>
               </a:ext>
             </a:extLst>
           </p:cNvPr>
@@ -2811,7 +3086,7 @@
           <p:cNvPr id="4" name="Footer Placeholder 3">
             <a:extLst>
               <a:ext uri="{FF2B5EF4-FFF2-40B4-BE49-F238E27FC236}">
-                <a16:creationId xmlns:a16="http://schemas.microsoft.com/office/drawing/2014/main" id="{759EC7F2-22B5-B77A-A015-D7375E72A350}"/>
+                <a16:creationId xmlns:a16="http://schemas.microsoft.com/office/drawing/2014/main" id="{721AB414-27AE-F29D-9DCF-DBAAAD5AB8BF}"/>
               </a:ext>
             </a:extLst>
           </p:cNvPr>
@@ -2836,7 +3111,7 @@
           <p:cNvPr id="5" name="Slide Number Placeholder 4">
             <a:extLst>
               <a:ext uri="{FF2B5EF4-FFF2-40B4-BE49-F238E27FC236}">
-                <a16:creationId xmlns:a16="http://schemas.microsoft.com/office/drawing/2014/main" id="{39579795-2D53-11D3-5BD4-6D18E044A7A4}"/>
+                <a16:creationId xmlns:a16="http://schemas.microsoft.com/office/drawing/2014/main" id="{F1E67EA0-174A-7A5B-9955-49F3E4D7EF6D}"/>
               </a:ext>
             </a:extLst>
           </p:cNvPr>
@@ -2863,7 +3138,7 @@
     </p:spTree>
     <p:extLst>
       <p:ext uri="{BB962C8B-B14F-4D97-AF65-F5344CB8AC3E}">
-        <p14:creationId xmlns:p14="http://schemas.microsoft.com/office/powerpoint/2010/main" val="3949384857"/>
+        <p14:creationId xmlns:p14="http://schemas.microsoft.com/office/powerpoint/2010/main" val="3522930711"/>
       </p:ext>
     </p:extLst>
   </p:cSld>
@@ -2895,7 +3170,7 @@
           <p:cNvPr id="2" name="Date Placeholder 1">
             <a:extLst>
               <a:ext uri="{FF2B5EF4-FFF2-40B4-BE49-F238E27FC236}">
-                <a16:creationId xmlns:a16="http://schemas.microsoft.com/office/drawing/2014/main" id="{E516CCEC-FEF6-95FA-1B79-6BA65DEC9918}"/>
+                <a16:creationId xmlns:a16="http://schemas.microsoft.com/office/drawing/2014/main" id="{B7E41B27-4992-DEAA-1EB7-B106715ADDBF}"/>
               </a:ext>
             </a:extLst>
           </p:cNvPr>
@@ -2924,7 +3199,7 @@
           <p:cNvPr id="3" name="Footer Placeholder 2">
             <a:extLst>
               <a:ext uri="{FF2B5EF4-FFF2-40B4-BE49-F238E27FC236}">
-                <a16:creationId xmlns:a16="http://schemas.microsoft.com/office/drawing/2014/main" id="{9E21CA6A-2E7E-4940-B007-EBC6991B9188}"/>
+                <a16:creationId xmlns:a16="http://schemas.microsoft.com/office/drawing/2014/main" id="{05A60D9E-78AD-EC08-6D51-E2D27C30C61A}"/>
               </a:ext>
             </a:extLst>
           </p:cNvPr>
@@ -2949,7 +3224,7 @@
           <p:cNvPr id="4" name="Slide Number Placeholder 3">
             <a:extLst>
               <a:ext uri="{FF2B5EF4-FFF2-40B4-BE49-F238E27FC236}">
-                <a16:creationId xmlns:a16="http://schemas.microsoft.com/office/drawing/2014/main" id="{1F25E3FF-5F25-ED05-FF1F-4FDBEACA4127}"/>
+                <a16:creationId xmlns:a16="http://schemas.microsoft.com/office/drawing/2014/main" id="{C2F62BDF-6580-AFF9-CB4E-546328EBA785}"/>
               </a:ext>
             </a:extLst>
           </p:cNvPr>
@@ -2976,7 +3251,7 @@
     </p:spTree>
     <p:extLst>
       <p:ext uri="{BB962C8B-B14F-4D97-AF65-F5344CB8AC3E}">
-        <p14:creationId xmlns:p14="http://schemas.microsoft.com/office/powerpoint/2010/main" val="2878558436"/>
+        <p14:creationId xmlns:p14="http://schemas.microsoft.com/office/powerpoint/2010/main" val="1999991647"/>
       </p:ext>
     </p:extLst>
   </p:cSld>
@@ -3008,7 +3283,7 @@
           <p:cNvPr id="2" name="Title 1">
             <a:extLst>
               <a:ext uri="{FF2B5EF4-FFF2-40B4-BE49-F238E27FC236}">
-                <a16:creationId xmlns:a16="http://schemas.microsoft.com/office/drawing/2014/main" id="{30DAC8D5-2AC3-3FC6-B7E5-4799A8F3444B}"/>
+                <a16:creationId xmlns:a16="http://schemas.microsoft.com/office/drawing/2014/main" id="{DBA51A22-9B76-B5BD-1BFB-5F323C81ECD2}"/>
               </a:ext>
             </a:extLst>
           </p:cNvPr>
@@ -3046,7 +3321,7 @@
           <p:cNvPr id="3" name="Content Placeholder 2">
             <a:extLst>
               <a:ext uri="{FF2B5EF4-FFF2-40B4-BE49-F238E27FC236}">
-                <a16:creationId xmlns:a16="http://schemas.microsoft.com/office/drawing/2014/main" id="{2F7476C9-79F3-187A-DDD1-E0ADE370682C}"/>
+                <a16:creationId xmlns:a16="http://schemas.microsoft.com/office/drawing/2014/main" id="{223A1B17-6CAA-9143-EFCC-6C0A41D8F0A7}"/>
               </a:ext>
             </a:extLst>
           </p:cNvPr>
@@ -3137,7 +3412,7 @@
           <p:cNvPr id="4" name="Text Placeholder 3">
             <a:extLst>
               <a:ext uri="{FF2B5EF4-FFF2-40B4-BE49-F238E27FC236}">
-                <a16:creationId xmlns:a16="http://schemas.microsoft.com/office/drawing/2014/main" id="{FDE76EC2-C615-234D-45D4-5832259048E9}"/>
+                <a16:creationId xmlns:a16="http://schemas.microsoft.com/office/drawing/2014/main" id="{CED7FD0F-BE41-32F0-FE1F-3078414EC4AD}"/>
               </a:ext>
             </a:extLst>
           </p:cNvPr>
@@ -3208,7 +3483,7 @@
           <p:cNvPr id="5" name="Date Placeholder 4">
             <a:extLst>
               <a:ext uri="{FF2B5EF4-FFF2-40B4-BE49-F238E27FC236}">
-                <a16:creationId xmlns:a16="http://schemas.microsoft.com/office/drawing/2014/main" id="{A86584FD-627A-58D9-A3F0-024955AC607F}"/>
+                <a16:creationId xmlns:a16="http://schemas.microsoft.com/office/drawing/2014/main" id="{A9C25623-9BE9-A94B-02CD-2B09CB710D9C}"/>
               </a:ext>
             </a:extLst>
           </p:cNvPr>
@@ -3237,7 +3512,7 @@
           <p:cNvPr id="6" name="Footer Placeholder 5">
             <a:extLst>
               <a:ext uri="{FF2B5EF4-FFF2-40B4-BE49-F238E27FC236}">
-                <a16:creationId xmlns:a16="http://schemas.microsoft.com/office/drawing/2014/main" id="{B31E765F-55A2-78FB-60E1-01AA50A9662A}"/>
+                <a16:creationId xmlns:a16="http://schemas.microsoft.com/office/drawing/2014/main" id="{FB6EE1FC-9714-B075-4CFE-33E10B90A3AF}"/>
               </a:ext>
             </a:extLst>
           </p:cNvPr>
@@ -3262,7 +3537,7 @@
           <p:cNvPr id="7" name="Slide Number Placeholder 6">
             <a:extLst>
               <a:ext uri="{FF2B5EF4-FFF2-40B4-BE49-F238E27FC236}">
-                <a16:creationId xmlns:a16="http://schemas.microsoft.com/office/drawing/2014/main" id="{9D19A859-9A1E-F9BD-C10C-5AB35FCE3D93}"/>
+                <a16:creationId xmlns:a16="http://schemas.microsoft.com/office/drawing/2014/main" id="{B2BFAFDC-A019-71C3-F59F-46AE9916B51E}"/>
               </a:ext>
             </a:extLst>
           </p:cNvPr>
@@ -3289,7 +3564,7 @@
     </p:spTree>
     <p:extLst>
       <p:ext uri="{BB962C8B-B14F-4D97-AF65-F5344CB8AC3E}">
-        <p14:creationId xmlns:p14="http://schemas.microsoft.com/office/powerpoint/2010/main" val="45293328"/>
+        <p14:creationId xmlns:p14="http://schemas.microsoft.com/office/powerpoint/2010/main" val="1641631060"/>
       </p:ext>
     </p:extLst>
   </p:cSld>
@@ -3321,7 +3596,7 @@
           <p:cNvPr id="2" name="Title 1">
             <a:extLst>
               <a:ext uri="{FF2B5EF4-FFF2-40B4-BE49-F238E27FC236}">
-                <a16:creationId xmlns:a16="http://schemas.microsoft.com/office/drawing/2014/main" id="{0261B07B-6B6C-7E25-63B3-96CCD712287A}"/>
+                <a16:creationId xmlns:a16="http://schemas.microsoft.com/office/drawing/2014/main" id="{70D7C004-89C7-B4C5-3A90-DD24280B97B6}"/>
               </a:ext>
             </a:extLst>
           </p:cNvPr>
@@ -3359,7 +3634,7 @@
           <p:cNvPr id="3" name="Picture Placeholder 2">
             <a:extLst>
               <a:ext uri="{FF2B5EF4-FFF2-40B4-BE49-F238E27FC236}">
-                <a16:creationId xmlns:a16="http://schemas.microsoft.com/office/drawing/2014/main" id="{2680CC3C-75E5-CFED-80D5-A469A24CF68F}"/>
+                <a16:creationId xmlns:a16="http://schemas.microsoft.com/office/drawing/2014/main" id="{9D1EEEB5-615B-88CB-6DBA-E19F618ABB03}"/>
               </a:ext>
             </a:extLst>
           </p:cNvPr>
@@ -3426,7 +3701,7 @@
           <p:cNvPr id="4" name="Text Placeholder 3">
             <a:extLst>
               <a:ext uri="{FF2B5EF4-FFF2-40B4-BE49-F238E27FC236}">
-                <a16:creationId xmlns:a16="http://schemas.microsoft.com/office/drawing/2014/main" id="{E1BC00A5-BEEF-7F04-D73D-F736CBDE6B58}"/>
+                <a16:creationId xmlns:a16="http://schemas.microsoft.com/office/drawing/2014/main" id="{F4C86C4E-E042-5BBC-4A39-8F752F26E9F5}"/>
               </a:ext>
             </a:extLst>
           </p:cNvPr>
@@ -3497,7 +3772,7 @@
           <p:cNvPr id="5" name="Date Placeholder 4">
             <a:extLst>
               <a:ext uri="{FF2B5EF4-FFF2-40B4-BE49-F238E27FC236}">
-                <a16:creationId xmlns:a16="http://schemas.microsoft.com/office/drawing/2014/main" id="{02EB0174-4918-CAC3-AC77-B0235228CE81}"/>
+                <a16:creationId xmlns:a16="http://schemas.microsoft.com/office/drawing/2014/main" id="{D751057D-1A7A-28DE-11CA-F345957125BC}"/>
               </a:ext>
             </a:extLst>
           </p:cNvPr>
@@ -3526,7 +3801,7 @@
           <p:cNvPr id="6" name="Footer Placeholder 5">
             <a:extLst>
               <a:ext uri="{FF2B5EF4-FFF2-40B4-BE49-F238E27FC236}">
-                <a16:creationId xmlns:a16="http://schemas.microsoft.com/office/drawing/2014/main" id="{2921963F-8B58-2A45-854B-39980FD97F53}"/>
+                <a16:creationId xmlns:a16="http://schemas.microsoft.com/office/drawing/2014/main" id="{C464AAC0-0405-EDDD-B5E2-D6D45467B681}"/>
               </a:ext>
             </a:extLst>
           </p:cNvPr>
@@ -3551,7 +3826,7 @@
           <p:cNvPr id="7" name="Slide Number Placeholder 6">
             <a:extLst>
               <a:ext uri="{FF2B5EF4-FFF2-40B4-BE49-F238E27FC236}">
-                <a16:creationId xmlns:a16="http://schemas.microsoft.com/office/drawing/2014/main" id="{39585987-BB75-C8B9-0BA7-DE423FD477F5}"/>
+                <a16:creationId xmlns:a16="http://schemas.microsoft.com/office/drawing/2014/main" id="{9484B7E8-4D18-64B7-755C-D1E7580AF91A}"/>
               </a:ext>
             </a:extLst>
           </p:cNvPr>
@@ -3578,7 +3853,7 @@
     </p:spTree>
     <p:extLst>
       <p:ext uri="{BB962C8B-B14F-4D97-AF65-F5344CB8AC3E}">
-        <p14:creationId xmlns:p14="http://schemas.microsoft.com/office/powerpoint/2010/main" val="2282965375"/>
+        <p14:creationId xmlns:p14="http://schemas.microsoft.com/office/powerpoint/2010/main" val="4191935096"/>
       </p:ext>
     </p:extLst>
   </p:cSld>
@@ -3615,7 +3890,7 @@
           <p:cNvPr id="2" name="Title Placeholder 1">
             <a:extLst>
               <a:ext uri="{FF2B5EF4-FFF2-40B4-BE49-F238E27FC236}">
-                <a16:creationId xmlns:a16="http://schemas.microsoft.com/office/drawing/2014/main" id="{3B0DDA11-6517-57AD-DF13-1EFF5FA50BFF}"/>
+                <a16:creationId xmlns:a16="http://schemas.microsoft.com/office/drawing/2014/main" id="{3B34080E-1D33-EDE3-E74E-ECFB4F1FD148}"/>
               </a:ext>
             </a:extLst>
           </p:cNvPr>
@@ -3654,7 +3929,7 @@
           <p:cNvPr id="3" name="Text Placeholder 2">
             <a:extLst>
               <a:ext uri="{FF2B5EF4-FFF2-40B4-BE49-F238E27FC236}">
-                <a16:creationId xmlns:a16="http://schemas.microsoft.com/office/drawing/2014/main" id="{D10B2BE5-1387-5C89-C2F3-B03C73FD3735}"/>
+                <a16:creationId xmlns:a16="http://schemas.microsoft.com/office/drawing/2014/main" id="{A846ADC8-3CB5-DF2A-D21D-51030E58B4C4}"/>
               </a:ext>
             </a:extLst>
           </p:cNvPr>
@@ -3722,7 +3997,7 @@
           <p:cNvPr id="4" name="Date Placeholder 3">
             <a:extLst>
               <a:ext uri="{FF2B5EF4-FFF2-40B4-BE49-F238E27FC236}">
-                <a16:creationId xmlns:a16="http://schemas.microsoft.com/office/drawing/2014/main" id="{AA2037DC-3AFD-CADF-FBF0-923619F92F86}"/>
+                <a16:creationId xmlns:a16="http://schemas.microsoft.com/office/drawing/2014/main" id="{65071F5B-D25C-7DBB-BC18-1F057F5BAC29}"/>
               </a:ext>
             </a:extLst>
           </p:cNvPr>
@@ -3769,7 +4044,7 @@
           <p:cNvPr id="5" name="Footer Placeholder 4">
             <a:extLst>
               <a:ext uri="{FF2B5EF4-FFF2-40B4-BE49-F238E27FC236}">
-                <a16:creationId xmlns:a16="http://schemas.microsoft.com/office/drawing/2014/main" id="{8ACCCE60-8C69-3328-CCE3-71EDCF6D1D6D}"/>
+                <a16:creationId xmlns:a16="http://schemas.microsoft.com/office/drawing/2014/main" id="{FCECAF63-0285-E905-8247-9FF2B904BB46}"/>
               </a:ext>
             </a:extLst>
           </p:cNvPr>
@@ -3812,7 +4087,7 @@
           <p:cNvPr id="6" name="Slide Number Placeholder 5">
             <a:extLst>
               <a:ext uri="{FF2B5EF4-FFF2-40B4-BE49-F238E27FC236}">
-                <a16:creationId xmlns:a16="http://schemas.microsoft.com/office/drawing/2014/main" id="{B6841C00-1FF0-1CED-27C3-4F0B938A6C91}"/>
+                <a16:creationId xmlns:a16="http://schemas.microsoft.com/office/drawing/2014/main" id="{5A0DDA4A-8033-7715-A081-CC0B81EF96CE}"/>
               </a:ext>
             </a:extLst>
           </p:cNvPr>
@@ -3857,23 +4132,23 @@
     </p:spTree>
     <p:extLst>
       <p:ext uri="{BB962C8B-B14F-4D97-AF65-F5344CB8AC3E}">
-        <p14:creationId xmlns:p14="http://schemas.microsoft.com/office/powerpoint/2010/main" val="4144574056"/>
+        <p14:creationId xmlns:p14="http://schemas.microsoft.com/office/powerpoint/2010/main" val="2127156315"/>
       </p:ext>
     </p:extLst>
   </p:cSld>
   <p:clrMap bg1="lt1" tx1="dk1" bg2="lt2" tx2="dk2" accent1="accent1" accent2="accent2" accent3="accent3" accent4="accent4" accent5="accent5" accent6="accent6" hlink="hlink" folHlink="folHlink"/>
   <p:sldLayoutIdLst>
-    <p:sldLayoutId id="2147483649" r:id="rId1"/>
-    <p:sldLayoutId id="2147483650" r:id="rId2"/>
-    <p:sldLayoutId id="2147483651" r:id="rId3"/>
-    <p:sldLayoutId id="2147483652" r:id="rId4"/>
-    <p:sldLayoutId id="2147483653" r:id="rId5"/>
-    <p:sldLayoutId id="2147483654" r:id="rId6"/>
-    <p:sldLayoutId id="2147483655" r:id="rId7"/>
-    <p:sldLayoutId id="2147483656" r:id="rId8"/>
-    <p:sldLayoutId id="2147483657" r:id="rId9"/>
-    <p:sldLayoutId id="2147483658" r:id="rId10"/>
-    <p:sldLayoutId id="2147483659" r:id="rId11"/>
+    <p:sldLayoutId id="2147483661" r:id="rId1"/>
+    <p:sldLayoutId id="2147483662" r:id="rId2"/>
+    <p:sldLayoutId id="2147483663" r:id="rId3"/>
+    <p:sldLayoutId id="2147483664" r:id="rId4"/>
+    <p:sldLayoutId id="2147483665" r:id="rId5"/>
+    <p:sldLayoutId id="2147483666" r:id="rId6"/>
+    <p:sldLayoutId id="2147483667" r:id="rId7"/>
+    <p:sldLayoutId id="2147483668" r:id="rId8"/>
+    <p:sldLayoutId id="2147483669" r:id="rId9"/>
+    <p:sldLayoutId id="2147483670" r:id="rId10"/>
+    <p:sldLayoutId id="2147483671" r:id="rId11"/>
   </p:sldLayoutIdLst>
   <p:txStyles>
     <p:titleStyle>
@@ -4591,6 +4866,506 @@
 </p:sld>
 </file>
 
+<file path=ppt/slides/slide12.xml><?xml version="1.0" encoding="utf-8"?>
+<p:sld xmlns:a="http://schemas.openxmlformats.org/drawingml/2006/main" xmlns:r="http://schemas.openxmlformats.org/officeDocument/2006/relationships" xmlns:p="http://schemas.openxmlformats.org/presentationml/2006/main">
+  <p:cSld>
+    <p:spTree>
+      <p:nvGrpSpPr>
+        <p:cNvPr id="1" name=""/>
+        <p:cNvGrpSpPr/>
+        <p:nvPr/>
+      </p:nvGrpSpPr>
+      <p:grpSpPr>
+        <a:xfrm>
+          <a:off x="0" y="0"/>
+          <a:ext cx="0" cy="0"/>
+          <a:chOff x="0" y="0"/>
+          <a:chExt cx="0" cy="0"/>
+        </a:xfrm>
+      </p:grpSpPr>
+      <p:sp>
+        <p:nvSpPr>
+          <p:cNvPr id="2" name="Title 1">
+            <a:extLst>
+              <a:ext uri="{FF2B5EF4-FFF2-40B4-BE49-F238E27FC236}">
+                <a16:creationId xmlns:a16="http://schemas.microsoft.com/office/drawing/2014/main" id="{1959E2D4-32AF-2879-8148-E895C82ED6D6}"/>
+              </a:ext>
+            </a:extLst>
+          </p:cNvPr>
+          <p:cNvSpPr>
+            <a:spLocks noGrp="1"/>
+          </p:cNvSpPr>
+          <p:nvPr>
+            <p:ph type="title"/>
+          </p:nvPr>
+        </p:nvSpPr>
+        <p:spPr/>
+        <p:txBody>
+          <a:bodyPr/>
+          <a:lstStyle/>
+          <a:p>
+            <a:r>
+              <a:rPr lang="sv-SE" dirty="0" err="1"/>
+              <a:t>Legacy</a:t>
+            </a:r>
+            <a:endParaRPr lang="LID4096" dirty="0"/>
+          </a:p>
+        </p:txBody>
+      </p:sp>
+      <p:pic>
+        <p:nvPicPr>
+          <p:cNvPr id="9" name="Content Placeholder 8" descr="Baby holding flashlight">
+            <a:extLst>
+              <a:ext uri="{FF2B5EF4-FFF2-40B4-BE49-F238E27FC236}">
+                <a16:creationId xmlns:a16="http://schemas.microsoft.com/office/drawing/2014/main" id="{FD93B5DF-E774-594F-D1FF-0EC2D9DBAF04}"/>
+              </a:ext>
+            </a:extLst>
+          </p:cNvPr>
+          <p:cNvPicPr>
+            <a:picLocks noGrp="1" noChangeAspect="1"/>
+          </p:cNvPicPr>
+          <p:nvPr>
+            <p:ph idx="1"/>
+          </p:nvPr>
+        </p:nvPicPr>
+        <p:blipFill>
+          <a:blip r:embed="rId3">
+            <a:extLst>
+              <a:ext uri="{28A0092B-C50C-407E-A947-70E740481C1C}">
+                <a14:useLocalDpi xmlns:a14="http://schemas.microsoft.com/office/drawing/2010/main" val="0"/>
+              </a:ext>
+            </a:extLst>
+          </a:blip>
+          <a:stretch>
+            <a:fillRect/>
+          </a:stretch>
+        </p:blipFill>
+        <p:spPr>
+          <a:xfrm>
+            <a:off x="2826778" y="1825625"/>
+            <a:ext cx="6538444" cy="4351338"/>
+          </a:xfrm>
+        </p:spPr>
+      </p:pic>
+    </p:spTree>
+    <p:extLst>
+      <p:ext uri="{BB962C8B-B14F-4D97-AF65-F5344CB8AC3E}">
+        <p14:creationId xmlns:p14="http://schemas.microsoft.com/office/powerpoint/2010/main" val="4049021649"/>
+      </p:ext>
+    </p:extLst>
+  </p:cSld>
+  <p:clrMapOvr>
+    <a:masterClrMapping/>
+  </p:clrMapOvr>
+</p:sld>
+</file>
+
+<file path=ppt/slides/slide13.xml><?xml version="1.0" encoding="utf-8"?>
+<p:sld xmlns:a="http://schemas.openxmlformats.org/drawingml/2006/main" xmlns:r="http://schemas.openxmlformats.org/officeDocument/2006/relationships" xmlns:p="http://schemas.openxmlformats.org/presentationml/2006/main">
+  <p:cSld>
+    <p:spTree>
+      <p:nvGrpSpPr>
+        <p:cNvPr id="1" name=""/>
+        <p:cNvGrpSpPr/>
+        <p:nvPr/>
+      </p:nvGrpSpPr>
+      <p:grpSpPr>
+        <a:xfrm>
+          <a:off x="0" y="0"/>
+          <a:ext cx="0" cy="0"/>
+          <a:chOff x="0" y="0"/>
+          <a:chExt cx="0" cy="0"/>
+        </a:xfrm>
+      </p:grpSpPr>
+      <p:sp>
+        <p:nvSpPr>
+          <p:cNvPr id="2" name="Title 1">
+            <a:extLst>
+              <a:ext uri="{FF2B5EF4-FFF2-40B4-BE49-F238E27FC236}">
+                <a16:creationId xmlns:a16="http://schemas.microsoft.com/office/drawing/2014/main" id="{8635EE6B-B06B-7D3A-24C3-331539FCFAFE}"/>
+              </a:ext>
+            </a:extLst>
+          </p:cNvPr>
+          <p:cNvSpPr>
+            <a:spLocks noGrp="1"/>
+          </p:cNvSpPr>
+          <p:nvPr>
+            <p:ph type="title"/>
+          </p:nvPr>
+        </p:nvSpPr>
+        <p:spPr/>
+        <p:txBody>
+          <a:bodyPr/>
+          <a:lstStyle/>
+          <a:p>
+            <a:r>
+              <a:rPr lang="sv-SE" dirty="0"/>
+              <a:t>Hur?</a:t>
+            </a:r>
+            <a:endParaRPr lang="LID4096" dirty="0"/>
+          </a:p>
+        </p:txBody>
+      </p:sp>
+      <p:sp>
+        <p:nvSpPr>
+          <p:cNvPr id="3" name="Content Placeholder 2">
+            <a:extLst>
+              <a:ext uri="{FF2B5EF4-FFF2-40B4-BE49-F238E27FC236}">
+                <a16:creationId xmlns:a16="http://schemas.microsoft.com/office/drawing/2014/main" id="{67D3FDD9-B931-A835-EC3B-053B9119B7F3}"/>
+              </a:ext>
+            </a:extLst>
+          </p:cNvPr>
+          <p:cNvSpPr>
+            <a:spLocks noGrp="1"/>
+          </p:cNvSpPr>
+          <p:nvPr>
+            <p:ph idx="1"/>
+          </p:nvPr>
+        </p:nvSpPr>
+        <p:spPr/>
+        <p:txBody>
+          <a:bodyPr>
+            <a:normAutofit fontScale="77500" lnSpcReduction="20000"/>
+          </a:bodyPr>
+          <a:lstStyle/>
+          <a:p>
+            <a:r>
+              <a:rPr lang="sv-SE" dirty="0"/>
+              <a:t>Börja med ett test</a:t>
+            </a:r>
+          </a:p>
+          <a:p>
+            <a:pPr lvl="1"/>
+            <a:r>
+              <a:rPr lang="sv-SE" dirty="0"/>
+              <a:t>Kräver förmodligen en del arbete!</a:t>
+            </a:r>
+          </a:p>
+          <a:p>
+            <a:pPr lvl="1"/>
+            <a:r>
+              <a:rPr lang="sv-SE" dirty="0"/>
+              <a:t>Det blir enklare och enklare…</a:t>
+            </a:r>
+          </a:p>
+          <a:p>
+            <a:r>
+              <a:rPr lang="sv-SE" dirty="0"/>
+              <a:t>Fokusera på områden som är viktigast först</a:t>
+            </a:r>
+          </a:p>
+          <a:p>
+            <a:pPr lvl="1"/>
+            <a:r>
+              <a:rPr lang="sv-SE" dirty="0"/>
+              <a:t>Affärslogik</a:t>
+            </a:r>
+          </a:p>
+          <a:p>
+            <a:pPr lvl="1"/>
+            <a:r>
+              <a:rPr lang="sv-SE" dirty="0"/>
+              <a:t>Buggfixar</a:t>
+            </a:r>
+          </a:p>
+          <a:p>
+            <a:r>
+              <a:rPr lang="sv-SE" dirty="0"/>
+              <a:t>Jobba metodiskt, ett test i taget!</a:t>
+            </a:r>
+          </a:p>
+          <a:p>
+            <a:pPr lvl="1"/>
+            <a:r>
+              <a:rPr lang="sv-SE" dirty="0"/>
+              <a:t>Behöver inte 100% </a:t>
+            </a:r>
+            <a:r>
+              <a:rPr lang="sv-SE" dirty="0" err="1"/>
+              <a:t>Code</a:t>
+            </a:r>
+            <a:r>
+              <a:rPr lang="sv-SE" dirty="0"/>
+              <a:t> </a:t>
+            </a:r>
+            <a:r>
+              <a:rPr lang="sv-SE" dirty="0" err="1"/>
+              <a:t>Coverage</a:t>
+            </a:r>
+            <a:endParaRPr lang="sv-SE" dirty="0"/>
+          </a:p>
+          <a:p>
+            <a:r>
+              <a:rPr lang="sv-SE" dirty="0"/>
+              <a:t>Inför abstraktioner vid behov</a:t>
+            </a:r>
+          </a:p>
+          <a:p>
+            <a:r>
+              <a:rPr lang="sv-SE" dirty="0"/>
+              <a:t>Täck av existerande funktionalitet runtomkring området du arbetar i</a:t>
+            </a:r>
+          </a:p>
+          <a:p>
+            <a:pPr lvl="1"/>
+            <a:r>
+              <a:rPr lang="sv-SE" dirty="0"/>
+              <a:t>Ger dig frid i själen vid </a:t>
+            </a:r>
+            <a:r>
+              <a:rPr lang="sv-SE" dirty="0" err="1"/>
+              <a:t>refaktoreringar</a:t>
+            </a:r>
+            <a:endParaRPr lang="sv-SE" dirty="0"/>
+          </a:p>
+          <a:p>
+            <a:pPr lvl="1"/>
+            <a:r>
+              <a:rPr lang="sv-SE" dirty="0"/>
+              <a:t>Testkoden är också en användare av kod (private/public)</a:t>
+            </a:r>
+          </a:p>
+          <a:p>
+            <a:r>
+              <a:rPr lang="sv-SE" dirty="0"/>
+              <a:t>Skriv alltid tester på ny funktionalitet i gammal kod</a:t>
+            </a:r>
+          </a:p>
+          <a:p>
+            <a:pPr lvl="1"/>
+            <a:r>
+              <a:rPr lang="sv-SE" dirty="0"/>
+              <a:t>Många bäckar små blir tillslut </a:t>
+            </a:r>
+            <a:r>
+              <a:rPr lang="sv-SE" dirty="0" err="1"/>
+              <a:t>Code</a:t>
+            </a:r>
+            <a:r>
+              <a:rPr lang="sv-SE" dirty="0"/>
+              <a:t> </a:t>
+            </a:r>
+            <a:r>
+              <a:rPr lang="sv-SE" dirty="0" err="1"/>
+              <a:t>Coverage</a:t>
+            </a:r>
+            <a:r>
+              <a:rPr lang="sv-SE" dirty="0"/>
+              <a:t>/trygghet!</a:t>
+            </a:r>
+          </a:p>
+        </p:txBody>
+      </p:sp>
+    </p:spTree>
+    <p:extLst>
+      <p:ext uri="{BB962C8B-B14F-4D97-AF65-F5344CB8AC3E}">
+        <p14:creationId xmlns:p14="http://schemas.microsoft.com/office/powerpoint/2010/main" val="4215859933"/>
+      </p:ext>
+    </p:extLst>
+  </p:cSld>
+  <p:clrMapOvr>
+    <a:masterClrMapping/>
+  </p:clrMapOvr>
+</p:sld>
+</file>
+
+<file path=ppt/slides/slide14.xml><?xml version="1.0" encoding="utf-8"?>
+<p:sld xmlns:a="http://schemas.openxmlformats.org/drawingml/2006/main" xmlns:r="http://schemas.openxmlformats.org/officeDocument/2006/relationships" xmlns:p="http://schemas.openxmlformats.org/presentationml/2006/main">
+  <p:cSld>
+    <p:spTree>
+      <p:nvGrpSpPr>
+        <p:cNvPr id="1" name=""/>
+        <p:cNvGrpSpPr/>
+        <p:nvPr/>
+      </p:nvGrpSpPr>
+      <p:grpSpPr>
+        <a:xfrm>
+          <a:off x="0" y="0"/>
+          <a:ext cx="0" cy="0"/>
+          <a:chOff x="0" y="0"/>
+          <a:chExt cx="0" cy="0"/>
+        </a:xfrm>
+      </p:grpSpPr>
+      <p:sp>
+        <p:nvSpPr>
+          <p:cNvPr id="2" name="Title 1">
+            <a:extLst>
+              <a:ext uri="{FF2B5EF4-FFF2-40B4-BE49-F238E27FC236}">
+                <a16:creationId xmlns:a16="http://schemas.microsoft.com/office/drawing/2014/main" id="{5BACCF34-456A-4ADD-70F2-0A7B9E8784BF}"/>
+              </a:ext>
+            </a:extLst>
+          </p:cNvPr>
+          <p:cNvSpPr>
+            <a:spLocks noGrp="1"/>
+          </p:cNvSpPr>
+          <p:nvPr>
+            <p:ph type="title"/>
+          </p:nvPr>
+        </p:nvSpPr>
+        <p:spPr/>
+        <p:txBody>
+          <a:bodyPr/>
+          <a:lstStyle/>
+          <a:p>
+            <a:r>
+              <a:rPr lang="sv-SE" dirty="0"/>
+              <a:t>Sömmar</a:t>
+            </a:r>
+            <a:endParaRPr lang="LID4096" dirty="0"/>
+          </a:p>
+        </p:txBody>
+      </p:sp>
+      <p:pic>
+        <p:nvPicPr>
+          <p:cNvPr id="1026" name="Picture 2" descr="Combined Fragments">
+            <a:extLst>
+              <a:ext uri="{FF2B5EF4-FFF2-40B4-BE49-F238E27FC236}">
+                <a16:creationId xmlns:a16="http://schemas.microsoft.com/office/drawing/2014/main" id="{14361719-FC60-5C68-79CF-3E29C3A0F5ED}"/>
+              </a:ext>
+            </a:extLst>
+          </p:cNvPr>
+          <p:cNvPicPr>
+            <a:picLocks noGrp="1" noChangeAspect="1" noChangeArrowheads="1"/>
+          </p:cNvPicPr>
+          <p:nvPr>
+            <p:ph idx="1"/>
+          </p:nvPr>
+        </p:nvPicPr>
+        <p:blipFill>
+          <a:blip r:embed="rId3">
+            <a:extLst>
+              <a:ext uri="{28A0092B-C50C-407E-A947-70E740481C1C}">
+                <a14:useLocalDpi xmlns:a14="http://schemas.microsoft.com/office/drawing/2010/main" val="0"/>
+              </a:ext>
+            </a:extLst>
+          </a:blip>
+          <a:stretch>
+            <a:fillRect/>
+          </a:stretch>
+        </p:blipFill>
+        <p:spPr bwMode="auto">
+          <a:xfrm>
+            <a:off x="4057650" y="2115344"/>
+            <a:ext cx="4076700" cy="3771900"/>
+          </a:xfrm>
+          <a:prstGeom prst="rect">
+            <a:avLst/>
+          </a:prstGeom>
+          <a:noFill/>
+          <a:extLst>
+            <a:ext uri="{909E8E84-426E-40DD-AFC4-6F175D3DCCD1}">
+              <a14:hiddenFill xmlns:a14="http://schemas.microsoft.com/office/drawing/2010/main">
+                <a:solidFill>
+                  <a:srgbClr val="FFFFFF"/>
+                </a:solidFill>
+              </a14:hiddenFill>
+            </a:ext>
+          </a:extLst>
+        </p:spPr>
+      </p:pic>
+    </p:spTree>
+    <p:extLst>
+      <p:ext uri="{BB962C8B-B14F-4D97-AF65-F5344CB8AC3E}">
+        <p14:creationId xmlns:p14="http://schemas.microsoft.com/office/powerpoint/2010/main" val="1092288466"/>
+      </p:ext>
+    </p:extLst>
+  </p:cSld>
+  <p:clrMapOvr>
+    <a:masterClrMapping/>
+  </p:clrMapOvr>
+</p:sld>
+</file>
+
+<file path=ppt/slides/slide15.xml><?xml version="1.0" encoding="utf-8"?>
+<p:sld xmlns:a="http://schemas.openxmlformats.org/drawingml/2006/main" xmlns:r="http://schemas.openxmlformats.org/officeDocument/2006/relationships" xmlns:p="http://schemas.openxmlformats.org/presentationml/2006/main">
+  <p:cSld>
+    <p:spTree>
+      <p:nvGrpSpPr>
+        <p:cNvPr id="1" name=""/>
+        <p:cNvGrpSpPr/>
+        <p:nvPr/>
+      </p:nvGrpSpPr>
+      <p:grpSpPr>
+        <a:xfrm>
+          <a:off x="0" y="0"/>
+          <a:ext cx="0" cy="0"/>
+          <a:chOff x="0" y="0"/>
+          <a:chExt cx="0" cy="0"/>
+        </a:xfrm>
+      </p:grpSpPr>
+      <p:sp>
+        <p:nvSpPr>
+          <p:cNvPr id="2" name="Title 1">
+            <a:extLst>
+              <a:ext uri="{FF2B5EF4-FFF2-40B4-BE49-F238E27FC236}">
+                <a16:creationId xmlns:a16="http://schemas.microsoft.com/office/drawing/2014/main" id="{E8E7D930-534B-B96D-E10A-D2B98AC6E348}"/>
+              </a:ext>
+            </a:extLst>
+          </p:cNvPr>
+          <p:cNvSpPr>
+            <a:spLocks noGrp="1"/>
+          </p:cNvSpPr>
+          <p:nvPr>
+            <p:ph type="title"/>
+          </p:nvPr>
+        </p:nvSpPr>
+        <p:spPr/>
+        <p:txBody>
+          <a:bodyPr/>
+          <a:lstStyle/>
+          <a:p>
+            <a:endParaRPr lang="LID4096"/>
+          </a:p>
+        </p:txBody>
+      </p:sp>
+      <p:pic>
+        <p:nvPicPr>
+          <p:cNvPr id="5" name="Content Placeholder 4" descr="Person holding and using scissors to cut fabric outdoors">
+            <a:extLst>
+              <a:ext uri="{FF2B5EF4-FFF2-40B4-BE49-F238E27FC236}">
+                <a16:creationId xmlns:a16="http://schemas.microsoft.com/office/drawing/2014/main" id="{41F33901-0161-E944-DD7D-C39BF91B2138}"/>
+              </a:ext>
+            </a:extLst>
+          </p:cNvPr>
+          <p:cNvPicPr>
+            <a:picLocks noGrp="1" noChangeAspect="1"/>
+          </p:cNvPicPr>
+          <p:nvPr>
+            <p:ph idx="1"/>
+          </p:nvPr>
+        </p:nvPicPr>
+        <p:blipFill>
+          <a:blip r:embed="rId2">
+            <a:extLst>
+              <a:ext uri="{28A0092B-C50C-407E-A947-70E740481C1C}">
+                <a14:useLocalDpi xmlns:a14="http://schemas.microsoft.com/office/drawing/2010/main" val="0"/>
+              </a:ext>
+            </a:extLst>
+          </a:blip>
+          <a:stretch>
+            <a:fillRect/>
+          </a:stretch>
+        </p:blipFill>
+        <p:spPr>
+          <a:xfrm>
+            <a:off x="2821943" y="1825625"/>
+            <a:ext cx="6548113" cy="4351338"/>
+          </a:xfrm>
+        </p:spPr>
+      </p:pic>
+    </p:spTree>
+    <p:extLst>
+      <p:ext uri="{BB962C8B-B14F-4D97-AF65-F5344CB8AC3E}">
+        <p14:creationId xmlns:p14="http://schemas.microsoft.com/office/powerpoint/2010/main" val="787704946"/>
+      </p:ext>
+    </p:extLst>
+  </p:cSld>
+  <p:clrMapOvr>
+    <a:masterClrMapping/>
+  </p:clrMapOvr>
+</p:sld>
+</file>
+
 <file path=ppt/slides/slide2.xml><?xml version="1.0" encoding="utf-8"?>
 <p:sld xmlns:a="http://schemas.openxmlformats.org/drawingml/2006/main" xmlns:r="http://schemas.openxmlformats.org/officeDocument/2006/relationships" xmlns:p="http://schemas.openxmlformats.org/presentationml/2006/main">
   <p:cSld>
@@ -4616,66 +5391,6 @@
           <a:chExt cx="0" cy="0"/>
         </a:xfrm>
       </p:grpSpPr>
-      <p:sp useBgFill="1">
-        <p:nvSpPr>
-          <p:cNvPr id="1033" name="Rectangle 1032">
-            <a:extLst>
-              <a:ext uri="{FF2B5EF4-FFF2-40B4-BE49-F238E27FC236}">
-                <a16:creationId xmlns:a16="http://schemas.microsoft.com/office/drawing/2014/main" id="{022BDE4A-8A20-4A69-9C5A-581C82036A4D}"/>
-              </a:ext>
-              <a:ext uri="{C183D7F6-B498-43B3-948B-1728B52AA6E4}">
-                <adec:decorative xmlns:adec="http://schemas.microsoft.com/office/drawing/2017/decorative" val="1"/>
-              </a:ext>
-            </a:extLst>
-          </p:cNvPr>
-          <p:cNvSpPr>
-            <a:spLocks noGrp="1" noRot="1" noChangeAspect="1" noMove="1" noResize="1" noEditPoints="1" noAdjustHandles="1" noChangeArrowheads="1" noChangeShapeType="1" noTextEdit="1"/>
-          </p:cNvSpPr>
-          <p:nvPr>
-            <p:extLst>
-              <p:ext uri="{386F3935-93C4-4BCD-93E2-E3B085C9AB24}">
-                <p16:designElem xmlns:p16="http://schemas.microsoft.com/office/powerpoint/2015/main" val="1"/>
-              </p:ext>
-            </p:extLst>
-          </p:nvPr>
-        </p:nvSpPr>
-        <p:spPr>
-          <a:xfrm>
-            <a:off x="-1" y="0"/>
-            <a:ext cx="12188952" cy="6858000"/>
-          </a:xfrm>
-          <a:prstGeom prst="rect">
-            <a:avLst/>
-          </a:prstGeom>
-          <a:ln>
-            <a:noFill/>
-          </a:ln>
-        </p:spPr>
-        <p:style>
-          <a:lnRef idx="2">
-            <a:schemeClr val="accent1">
-              <a:shade val="50000"/>
-            </a:schemeClr>
-          </a:lnRef>
-          <a:fillRef idx="1">
-            <a:schemeClr val="accent1"/>
-          </a:fillRef>
-          <a:effectRef idx="0">
-            <a:schemeClr val="accent1"/>
-          </a:effectRef>
-          <a:fontRef idx="minor">
-            <a:schemeClr val="lt1"/>
-          </a:fontRef>
-        </p:style>
-        <p:txBody>
-          <a:bodyPr rtlCol="0" anchor="ctr"/>
-          <a:lstStyle/>
-          <a:p>
-            <a:pPr algn="ctr"/>
-            <a:endParaRPr lang="en-US"/>
-          </a:p>
-        </p:txBody>
-      </p:sp>
       <p:sp>
         <p:nvSpPr>
           <p:cNvPr id="2" name="Title 1">
@@ -5434,7 +6149,7 @@
         </p:spPr>
         <p:txBody>
           <a:bodyPr>
-            <a:normAutofit lnSpcReduction="10000"/>
+            <a:normAutofit fontScale="92500" lnSpcReduction="10000"/>
           </a:bodyPr>
           <a:lstStyle/>
           <a:p>
@@ -5456,15 +6171,22 @@
             </a:r>
           </a:p>
           <a:p>
-            <a:r>
-              <a:rPr lang="sv-SE" dirty="0"/>
-              <a:t>Disciplinärt?</a:t>
-            </a:r>
-          </a:p>
-          <a:p>
             <a:pPr lvl="1"/>
             <a:r>
               <a:rPr lang="sv-SE" dirty="0"/>
+              <a:t>Tog man med sig någon design från reglerna?</a:t>
+            </a:r>
+          </a:p>
+          <a:p>
+            <a:r>
+              <a:rPr lang="sv-SE" dirty="0"/>
+              <a:t>Disciplin?</a:t>
+            </a:r>
+          </a:p>
+          <a:p>
+            <a:pPr lvl="1"/>
+            <a:r>
+              <a:rPr lang="sv-SE" dirty="0"/>
               <a:t>Lyckades man skriva alla sina tester innan kod?</a:t>
             </a:r>
           </a:p>
@@ -5472,7 +6194,7 @@
             <a:pPr lvl="1"/>
             <a:r>
               <a:rPr lang="sv-SE" dirty="0"/>
-              <a:t>Ingen AI?</a:t>
+              <a:t>AI?</a:t>
             </a:r>
           </a:p>
           <a:p>
@@ -5485,19 +6207,13 @@
               <a:rPr lang="sv-SE" dirty="0">
                 <a:sym typeface="Wingdings" panose="05000000000000000000" pitchFamily="2" charset="2"/>
               </a:rPr>
-              <a:t> Grön  Refaktorera	(</a:t>
-            </a:r>
-            <a:r>
-              <a:rPr lang="sv-SE" dirty="0" err="1">
+              <a:t> Grön  Refaktorera	(vad hände </a:t>
+            </a:r>
+            <a:r>
+              <a:rPr lang="sv-SE">
                 <a:sym typeface="Wingdings" panose="05000000000000000000" pitchFamily="2" charset="2"/>
               </a:rPr>
-              <a:t>repeat</a:t>
-            </a:r>
-            <a:r>
-              <a:rPr lang="sv-SE" dirty="0">
-                <a:sym typeface="Wingdings" panose="05000000000000000000" pitchFamily="2" charset="2"/>
-              </a:rPr>
-              <a:t>)</a:t>
+              <a:t>vid grönt test?)</a:t>
             </a:r>
             <a:endParaRPr lang="sv-SE" dirty="0"/>
           </a:p>
@@ -5719,7 +6435,9 @@
         </p:nvSpPr>
         <p:spPr/>
         <p:txBody>
-          <a:bodyPr/>
+          <a:bodyPr>
+            <a:normAutofit fontScale="92500" lnSpcReduction="10000"/>
+          </a:bodyPr>
           <a:lstStyle/>
           <a:p>
             <a:r>
@@ -5754,8 +6472,21 @@
             </a:r>
             <a:r>
               <a:rPr lang="sv-SE" dirty="0"/>
-              <a:t>direkt feedback</a:t>
-            </a:r>
+              <a:t>direkt feedback </a:t>
+            </a:r>
+            <a:r>
+              <a:rPr lang="sv-SE" dirty="0">
+                <a:sym typeface="Wingdings" panose="05000000000000000000" pitchFamily="2" charset="2"/>
+              </a:rPr>
+              <a:t> Test Driven </a:t>
+            </a:r>
+            <a:r>
+              <a:rPr lang="sv-SE" dirty="0" err="1">
+                <a:sym typeface="Wingdings" panose="05000000000000000000" pitchFamily="2" charset="2"/>
+              </a:rPr>
+              <a:t>Dopamine</a:t>
+            </a:r>
+            <a:endParaRPr lang="sv-SE" dirty="0"/>
           </a:p>
           <a:p>
             <a:r>
@@ -5766,7 +6497,7 @@
           <a:p>
             <a:r>
               <a:rPr lang="sv-SE" dirty="0"/>
-              <a:t>Utvecklaren skriver tester (Se BDD senare)</a:t>
+              <a:t>Utvecklaren skriver!</a:t>
             </a:r>
           </a:p>
           <a:p>
@@ -5785,6 +6516,12 @@
             <a:r>
               <a:rPr lang="sv-SE" dirty="0"/>
               <a:t>Tester kräver övning</a:t>
+            </a:r>
+          </a:p>
+          <a:p>
+            <a:r>
+              <a:rPr lang="sv-SE" dirty="0"/>
+              <a:t>Avsluta dagen med ett rött test</a:t>
             </a:r>
           </a:p>
           <a:p>
